--- a/sad.pptx
+++ b/sad.pptx
@@ -5,48 +5,47 @@
     <p:sldMasterId id="2147483657" r:id="rId1"/>
   </p:sldMasterIdLst>
   <p:notesMasterIdLst>
-    <p:notesMasterId r:id="rId41"/>
+    <p:notesMasterId r:id="rId40"/>
   </p:notesMasterIdLst>
   <p:sldIdLst>
     <p:sldId id="256" r:id="rId2"/>
     <p:sldId id="259" r:id="rId3"/>
     <p:sldId id="347" r:id="rId4"/>
     <p:sldId id="349" r:id="rId5"/>
-    <p:sldId id="350" r:id="rId6"/>
-    <p:sldId id="351" r:id="rId7"/>
-    <p:sldId id="352" r:id="rId8"/>
-    <p:sldId id="296" r:id="rId9"/>
-    <p:sldId id="300" r:id="rId10"/>
-    <p:sldId id="308" r:id="rId11"/>
-    <p:sldId id="309" r:id="rId12"/>
-    <p:sldId id="310" r:id="rId13"/>
-    <p:sldId id="311" r:id="rId14"/>
-    <p:sldId id="297" r:id="rId15"/>
-    <p:sldId id="340" r:id="rId16"/>
-    <p:sldId id="341" r:id="rId17"/>
-    <p:sldId id="342" r:id="rId18"/>
-    <p:sldId id="343" r:id="rId19"/>
-    <p:sldId id="344" r:id="rId20"/>
-    <p:sldId id="298" r:id="rId21"/>
-    <p:sldId id="312" r:id="rId22"/>
-    <p:sldId id="313" r:id="rId23"/>
-    <p:sldId id="314" r:id="rId24"/>
-    <p:sldId id="315" r:id="rId25"/>
-    <p:sldId id="316" r:id="rId26"/>
-    <p:sldId id="317" r:id="rId27"/>
-    <p:sldId id="318" r:id="rId28"/>
-    <p:sldId id="328" r:id="rId29"/>
-    <p:sldId id="329" r:id="rId30"/>
-    <p:sldId id="330" r:id="rId31"/>
-    <p:sldId id="331" r:id="rId32"/>
-    <p:sldId id="332" r:id="rId33"/>
-    <p:sldId id="333" r:id="rId34"/>
-    <p:sldId id="334" r:id="rId35"/>
-    <p:sldId id="299" r:id="rId36"/>
-    <p:sldId id="337" r:id="rId37"/>
-    <p:sldId id="338" r:id="rId38"/>
-    <p:sldId id="339" r:id="rId39"/>
-    <p:sldId id="279" r:id="rId40"/>
+    <p:sldId id="353" r:id="rId6"/>
+    <p:sldId id="352" r:id="rId7"/>
+    <p:sldId id="296" r:id="rId8"/>
+    <p:sldId id="300" r:id="rId9"/>
+    <p:sldId id="308" r:id="rId10"/>
+    <p:sldId id="309" r:id="rId11"/>
+    <p:sldId id="310" r:id="rId12"/>
+    <p:sldId id="311" r:id="rId13"/>
+    <p:sldId id="297" r:id="rId14"/>
+    <p:sldId id="340" r:id="rId15"/>
+    <p:sldId id="341" r:id="rId16"/>
+    <p:sldId id="342" r:id="rId17"/>
+    <p:sldId id="343" r:id="rId18"/>
+    <p:sldId id="344" r:id="rId19"/>
+    <p:sldId id="298" r:id="rId20"/>
+    <p:sldId id="312" r:id="rId21"/>
+    <p:sldId id="313" r:id="rId22"/>
+    <p:sldId id="314" r:id="rId23"/>
+    <p:sldId id="315" r:id="rId24"/>
+    <p:sldId id="316" r:id="rId25"/>
+    <p:sldId id="317" r:id="rId26"/>
+    <p:sldId id="318" r:id="rId27"/>
+    <p:sldId id="328" r:id="rId28"/>
+    <p:sldId id="329" r:id="rId29"/>
+    <p:sldId id="330" r:id="rId30"/>
+    <p:sldId id="331" r:id="rId31"/>
+    <p:sldId id="332" r:id="rId32"/>
+    <p:sldId id="333" r:id="rId33"/>
+    <p:sldId id="334" r:id="rId34"/>
+    <p:sldId id="299" r:id="rId35"/>
+    <p:sldId id="337" r:id="rId36"/>
+    <p:sldId id="338" r:id="rId37"/>
+    <p:sldId id="339" r:id="rId38"/>
+    <p:sldId id="279" r:id="rId39"/>
   </p:sldIdLst>
   <p:sldSz cx="9144000" cy="5143500" type="screen16x9"/>
   <p:notesSz cx="6858000" cy="9144000"/>
@@ -23958,7 +23957,7 @@
             </a:pPr>
             <a:r>
               <a:rPr lang="en" dirty="0"/>
-              <a:t>System Analysis and Design 😔</a:t>
+              <a:t>System Analysis and Design </a:t>
             </a:r>
             <a:endParaRPr dirty="0"/>
           </a:p>
@@ -23973,251 +23972,6 @@
 </file>
 
 <file path=ppt/slides/slide10.xml><?xml version="1.0" encoding="utf-8"?>
-<p:sld xmlns:a="http://schemas.openxmlformats.org/drawingml/2006/main" xmlns:r="http://schemas.openxmlformats.org/officeDocument/2006/relationships" xmlns:p="http://schemas.openxmlformats.org/presentationml/2006/main">
-  <p:cSld>
-    <p:spTree>
-      <p:nvGrpSpPr>
-        <p:cNvPr id="1" name=""/>
-        <p:cNvGrpSpPr/>
-        <p:nvPr/>
-      </p:nvGrpSpPr>
-      <p:grpSpPr>
-        <a:xfrm>
-          <a:off x="0" y="0"/>
-          <a:ext cx="0" cy="0"/>
-          <a:chOff x="0" y="0"/>
-          <a:chExt cx="0" cy="0"/>
-        </a:xfrm>
-      </p:grpSpPr>
-      <p:sp>
-        <p:nvSpPr>
-          <p:cNvPr id="2" name="Title 1">
-            <a:extLst>
-              <a:ext uri="{FF2B5EF4-FFF2-40B4-BE49-F238E27FC236}">
-                <a16:creationId xmlns:a16="http://schemas.microsoft.com/office/drawing/2014/main" id="{C585A269-1447-CBFF-455C-C8B13AC7B8FB}"/>
-              </a:ext>
-            </a:extLst>
-          </p:cNvPr>
-          <p:cNvSpPr>
-            <a:spLocks noGrp="1"/>
-          </p:cNvSpPr>
-          <p:nvPr>
-            <p:ph type="title"/>
-          </p:nvPr>
-        </p:nvSpPr>
-        <p:spPr>
-          <a:xfrm>
-            <a:off x="0" y="339937"/>
-            <a:ext cx="9144000" cy="645300"/>
-          </a:xfrm>
-        </p:spPr>
-        <p:txBody>
-          <a:bodyPr/>
-          <a:lstStyle/>
-          <a:p>
-            <a:pPr algn="ctr"/>
-            <a:r>
-              <a:rPr lang="en" dirty="0"/>
-              <a:t>Transaction Processing System (TPS)</a:t>
-            </a:r>
-            <a:endParaRPr lang="en-NP" dirty="0"/>
-          </a:p>
-        </p:txBody>
-      </p:sp>
-      <p:sp>
-        <p:nvSpPr>
-          <p:cNvPr id="3" name="Slide Number Placeholder 2">
-            <a:extLst>
-              <a:ext uri="{FF2B5EF4-FFF2-40B4-BE49-F238E27FC236}">
-                <a16:creationId xmlns:a16="http://schemas.microsoft.com/office/drawing/2014/main" id="{1CA6451C-6C8E-CA99-3DBF-19760DA0F5B5}"/>
-              </a:ext>
-            </a:extLst>
-          </p:cNvPr>
-          <p:cNvSpPr>
-            <a:spLocks noGrp="1"/>
-          </p:cNvSpPr>
-          <p:nvPr>
-            <p:ph type="sldNum" idx="10"/>
-          </p:nvPr>
-        </p:nvSpPr>
-        <p:spPr/>
-        <p:txBody>
-          <a:bodyPr/>
-          <a:lstStyle/>
-          <a:p>
-            <a:pPr marL="0" lvl="0" indent="0" algn="l" rtl="0">
-              <a:spcBef>
-                <a:spcPts val="0"/>
-              </a:spcBef>
-              <a:spcAft>
-                <a:spcPts val="0"/>
-              </a:spcAft>
-              <a:buNone/>
-            </a:pPr>
-            <a:fld id="{00000000-1234-1234-1234-123412341234}" type="slidenum">
-              <a:rPr lang="en" smtClean="0"/>
-              <a:t>10</a:t>
-            </a:fld>
-            <a:endParaRPr lang="en"/>
-          </a:p>
-        </p:txBody>
-      </p:sp>
-      <p:sp>
-        <p:nvSpPr>
-          <p:cNvPr id="4" name="Text Placeholder 3">
-            <a:extLst>
-              <a:ext uri="{FF2B5EF4-FFF2-40B4-BE49-F238E27FC236}">
-                <a16:creationId xmlns:a16="http://schemas.microsoft.com/office/drawing/2014/main" id="{6249DF66-992F-BE65-98D2-31B7D3FC0EDF}"/>
-              </a:ext>
-            </a:extLst>
-          </p:cNvPr>
-          <p:cNvSpPr>
-            <a:spLocks noGrp="1"/>
-          </p:cNvSpPr>
-          <p:nvPr>
-            <p:ph type="body" idx="1"/>
-          </p:nvPr>
-        </p:nvSpPr>
-        <p:spPr>
-          <a:xfrm>
-            <a:off x="287907" y="1268033"/>
-            <a:ext cx="4685146" cy="3231275"/>
-          </a:xfrm>
-        </p:spPr>
-        <p:txBody>
-          <a:bodyPr/>
-          <a:lstStyle/>
-          <a:p>
-            <a:pPr marL="457200" lvl="0" indent="-317500" rtl="0">
-              <a:spcBef>
-                <a:spcPts val="600"/>
-              </a:spcBef>
-              <a:spcAft>
-                <a:spcPts val="0"/>
-              </a:spcAft>
-              <a:buSzPts val="1400"/>
-              <a:buChar char="◇"/>
-            </a:pPr>
-            <a:r>
-              <a:rPr lang="en-US" dirty="0"/>
-              <a:t>Transaction Processing System are information system that process data resulting from the occurrences of business</a:t>
-            </a:r>
-          </a:p>
-          <a:p>
-            <a:pPr marL="457200" lvl="0" indent="-317500" rtl="0">
-              <a:spcBef>
-                <a:spcPts val="0"/>
-              </a:spcBef>
-              <a:spcAft>
-                <a:spcPts val="0"/>
-              </a:spcAft>
-              <a:buSzPts val="1400"/>
-              <a:buChar char="◇"/>
-            </a:pPr>
-            <a:r>
-              <a:rPr lang="en-US" dirty="0"/>
-              <a:t>Their objective are to provide transaction in order to update records and generate reports i.e. to perform store keeping function</a:t>
-            </a:r>
-          </a:p>
-          <a:p>
-            <a:pPr marL="457200" lvl="0" indent="-317500" rtl="0">
-              <a:spcBef>
-                <a:spcPts val="0"/>
-              </a:spcBef>
-              <a:spcAft>
-                <a:spcPts val="0"/>
-              </a:spcAft>
-              <a:buSzPts val="1400"/>
-              <a:buChar char="◇"/>
-            </a:pPr>
-            <a:r>
-              <a:rPr lang="en-US" dirty="0"/>
-              <a:t>The transaction is preformed in two ways: Batching processing and Online transaction processing.</a:t>
-            </a:r>
-          </a:p>
-          <a:p>
-            <a:pPr marL="457200" lvl="0" indent="-317500" rtl="0">
-              <a:spcBef>
-                <a:spcPts val="0"/>
-              </a:spcBef>
-              <a:spcAft>
-                <a:spcPts val="0"/>
-              </a:spcAft>
-              <a:buSzPts val="1400"/>
-              <a:buChar char="◇"/>
-            </a:pPr>
-            <a:r>
-              <a:rPr lang="en-US" dirty="0"/>
-              <a:t>Example: Bill system, payroll system, Stock control system</a:t>
-            </a:r>
-          </a:p>
-          <a:p>
-            <a:pPr marL="0" indent="0">
-              <a:buNone/>
-            </a:pPr>
-            <a:endParaRPr lang="en-US" dirty="0"/>
-          </a:p>
-          <a:p>
-            <a:endParaRPr lang="en-NP" dirty="0"/>
-          </a:p>
-          <a:p>
-            <a:endParaRPr lang="en-NP" dirty="0"/>
-          </a:p>
-        </p:txBody>
-      </p:sp>
-      <p:pic>
-        <p:nvPicPr>
-          <p:cNvPr id="5" name="Picture 4">
-            <a:extLst>
-              <a:ext uri="{FF2B5EF4-FFF2-40B4-BE49-F238E27FC236}">
-                <a16:creationId xmlns:a16="http://schemas.microsoft.com/office/drawing/2014/main" id="{8CF4BCC3-B9A2-9CFB-ACFA-1996E978429B}"/>
-              </a:ext>
-            </a:extLst>
-          </p:cNvPr>
-          <p:cNvPicPr>
-            <a:picLocks noChangeAspect="1"/>
-          </p:cNvPicPr>
-          <p:nvPr/>
-        </p:nvPicPr>
-        <p:blipFill rotWithShape="1">
-          <a:blip r:embed="rId2">
-            <a:alphaModFix/>
-            <a:extLst>
-              <a:ext uri="{837473B0-CC2E-450A-ABE3-18F120FF3D39}">
-                <a1611:picAttrSrcUrl xmlns:a1611="http://schemas.microsoft.com/office/drawing/2016/11/main" r:id="rId3"/>
-              </a:ext>
-            </a:extLst>
-          </a:blip>
-          <a:srcRect/>
-          <a:stretch/>
-        </p:blipFill>
-        <p:spPr>
-          <a:xfrm>
-            <a:off x="4973053" y="1421732"/>
-            <a:ext cx="4037150" cy="2453735"/>
-          </a:xfrm>
-          <a:prstGeom prst="rect">
-            <a:avLst/>
-          </a:prstGeom>
-        </p:spPr>
-      </p:pic>
-    </p:spTree>
-    <p:extLst>
-      <p:ext uri="{BB962C8B-B14F-4D97-AF65-F5344CB8AC3E}">
-        <p14:creationId xmlns:p14="http://schemas.microsoft.com/office/powerpoint/2010/main" val="2227224344"/>
-      </p:ext>
-    </p:extLst>
-  </p:cSld>
-  <p:clrMapOvr>
-    <a:masterClrMapping/>
-  </p:clrMapOvr>
-  <p:transition>
-    <p:fade thruBlk="1"/>
-  </p:transition>
-</p:sld>
-</file>
-
-<file path=ppt/slides/slide11.xml><?xml version="1.0" encoding="utf-8"?>
 <p:sld xmlns:a="http://schemas.openxmlformats.org/drawingml/2006/main" xmlns:r="http://schemas.openxmlformats.org/officeDocument/2006/relationships" xmlns:p="http://schemas.openxmlformats.org/presentationml/2006/main">
   <p:cSld>
     <p:spTree>
@@ -24300,7 +24054,7 @@
             </a:pPr>
             <a:fld id="{00000000-1234-1234-1234-123412341234}" type="slidenum">
               <a:rPr lang="en" smtClean="0"/>
-              <a:t>11</a:t>
+              <a:t>10</a:t>
             </a:fld>
             <a:endParaRPr lang="en"/>
           </a:p>
@@ -24430,7 +24184,7 @@
 </p:sld>
 </file>
 
-<file path=ppt/slides/slide12.xml><?xml version="1.0" encoding="utf-8"?>
+<file path=ppt/slides/slide11.xml><?xml version="1.0" encoding="utf-8"?>
 <p:sld xmlns:a="http://schemas.openxmlformats.org/drawingml/2006/main" xmlns:r="http://schemas.openxmlformats.org/officeDocument/2006/relationships" xmlns:p="http://schemas.openxmlformats.org/presentationml/2006/main">
   <p:cSld>
     <p:spTree>
@@ -24513,7 +24267,7 @@
             </a:pPr>
             <a:fld id="{00000000-1234-1234-1234-123412341234}" type="slidenum">
               <a:rPr lang="en" smtClean="0"/>
-              <a:t>12</a:t>
+              <a:t>11</a:t>
             </a:fld>
             <a:endParaRPr lang="en"/>
           </a:p>
@@ -24736,7 +24490,7 @@
 </p:sld>
 </file>
 
-<file path=ppt/slides/slide13.xml><?xml version="1.0" encoding="utf-8"?>
+<file path=ppt/slides/slide12.xml><?xml version="1.0" encoding="utf-8"?>
 <p:sld xmlns:a="http://schemas.openxmlformats.org/drawingml/2006/main" xmlns:r="http://schemas.openxmlformats.org/officeDocument/2006/relationships" xmlns:p="http://schemas.openxmlformats.org/presentationml/2006/main">
   <p:cSld>
     <p:spTree>
@@ -24819,7 +24573,7 @@
             </a:pPr>
             <a:fld id="{00000000-1234-1234-1234-123412341234}" type="slidenum">
               <a:rPr lang="en" smtClean="0"/>
-              <a:t>13</a:t>
+              <a:t>12</a:t>
             </a:fld>
             <a:endParaRPr lang="en"/>
           </a:p>
@@ -24957,7 +24711,7 @@
 </p:sld>
 </file>
 
-<file path=ppt/slides/slide14.xml><?xml version="1.0" encoding="utf-8"?>
+<file path=ppt/slides/slide13.xml><?xml version="1.0" encoding="utf-8"?>
 <p:sld xmlns:a="http://schemas.openxmlformats.org/drawingml/2006/main" xmlns:r="http://schemas.openxmlformats.org/officeDocument/2006/relationships" xmlns:p="http://schemas.openxmlformats.org/presentationml/2006/main">
   <p:cSld>
     <p:spTree>
@@ -25172,7 +24926,7 @@
 </p:sld>
 </file>
 
-<file path=ppt/slides/slide15.xml><?xml version="1.0" encoding="utf-8"?>
+<file path=ppt/slides/slide14.xml><?xml version="1.0" encoding="utf-8"?>
 <p:sld xmlns:a="http://schemas.openxmlformats.org/drawingml/2006/main" xmlns:r="http://schemas.openxmlformats.org/officeDocument/2006/relationships" xmlns:p="http://schemas.openxmlformats.org/presentationml/2006/main">
   <p:cSld>
     <p:spTree>
@@ -25255,7 +25009,7 @@
             </a:pPr>
             <a:fld id="{00000000-1234-1234-1234-123412341234}" type="slidenum">
               <a:rPr lang="en" smtClean="0"/>
-              <a:t>15</a:t>
+              <a:t>14</a:t>
             </a:fld>
             <a:endParaRPr lang="en"/>
           </a:p>
@@ -25413,7 +25167,7 @@
 </p:sld>
 </file>
 
-<file path=ppt/slides/slide16.xml><?xml version="1.0" encoding="utf-8"?>
+<file path=ppt/slides/slide15.xml><?xml version="1.0" encoding="utf-8"?>
 <p:sld xmlns:a="http://schemas.openxmlformats.org/drawingml/2006/main" xmlns:r="http://schemas.openxmlformats.org/officeDocument/2006/relationships" xmlns:p="http://schemas.openxmlformats.org/presentationml/2006/main">
   <p:cSld>
     <p:spTree>
@@ -25496,7 +25250,7 @@
             </a:pPr>
             <a:fld id="{00000000-1234-1234-1234-123412341234}" type="slidenum">
               <a:rPr lang="en" smtClean="0"/>
-              <a:t>16</a:t>
+              <a:t>15</a:t>
             </a:fld>
             <a:endParaRPr lang="en"/>
           </a:p>
@@ -25575,7 +25329,7 @@
 </p:sld>
 </file>
 
-<file path=ppt/slides/slide17.xml><?xml version="1.0" encoding="utf-8"?>
+<file path=ppt/slides/slide16.xml><?xml version="1.0" encoding="utf-8"?>
 <p:sld xmlns:a="http://schemas.openxmlformats.org/drawingml/2006/main" xmlns:r="http://schemas.openxmlformats.org/officeDocument/2006/relationships" xmlns:p="http://schemas.openxmlformats.org/presentationml/2006/main">
   <p:cSld>
     <p:spTree>
@@ -25658,7 +25412,7 @@
             </a:pPr>
             <a:fld id="{00000000-1234-1234-1234-123412341234}" type="slidenum">
               <a:rPr lang="en" smtClean="0"/>
-              <a:t>17</a:t>
+              <a:t>16</a:t>
             </a:fld>
             <a:endParaRPr lang="en"/>
           </a:p>
@@ -25786,7 +25540,7 @@
 </p:sld>
 </file>
 
-<file path=ppt/slides/slide18.xml><?xml version="1.0" encoding="utf-8"?>
+<file path=ppt/slides/slide17.xml><?xml version="1.0" encoding="utf-8"?>
 <p:sld xmlns:a="http://schemas.openxmlformats.org/drawingml/2006/main" xmlns:r="http://schemas.openxmlformats.org/officeDocument/2006/relationships" xmlns:p="http://schemas.openxmlformats.org/presentationml/2006/main">
   <p:cSld>
     <p:spTree>
@@ -25869,7 +25623,7 @@
             </a:pPr>
             <a:fld id="{00000000-1234-1234-1234-123412341234}" type="slidenum">
               <a:rPr lang="en" smtClean="0"/>
-              <a:t>18</a:t>
+              <a:t>17</a:t>
             </a:fld>
             <a:endParaRPr lang="en"/>
           </a:p>
@@ -25966,7 +25720,7 @@
 </p:sld>
 </file>
 
-<file path=ppt/slides/slide19.xml><?xml version="1.0" encoding="utf-8"?>
+<file path=ppt/slides/slide18.xml><?xml version="1.0" encoding="utf-8"?>
 <p:sld xmlns:a="http://schemas.openxmlformats.org/drawingml/2006/main" xmlns:r="http://schemas.openxmlformats.org/officeDocument/2006/relationships" xmlns:p="http://schemas.openxmlformats.org/presentationml/2006/main">
   <p:cSld>
     <p:spTree>
@@ -26049,7 +25803,7 @@
             </a:pPr>
             <a:fld id="{00000000-1234-1234-1234-123412341234}" type="slidenum">
               <a:rPr lang="en" smtClean="0"/>
-              <a:t>19</a:t>
+              <a:t>18</a:t>
             </a:fld>
             <a:endParaRPr lang="en"/>
           </a:p>
@@ -26149,6 +25903,172 @@
 </p:sld>
 </file>
 
+<file path=ppt/slides/slide19.xml><?xml version="1.0" encoding="utf-8"?>
+<p:sld xmlns:a="http://schemas.openxmlformats.org/drawingml/2006/main" xmlns:r="http://schemas.openxmlformats.org/officeDocument/2006/relationships" xmlns:p="http://schemas.openxmlformats.org/presentationml/2006/main">
+  <p:cSld>
+    <p:spTree>
+      <p:nvGrpSpPr>
+        <p:cNvPr id="1" name="Shape 358"/>
+        <p:cNvGrpSpPr/>
+        <p:nvPr/>
+      </p:nvGrpSpPr>
+      <p:grpSpPr>
+        <a:xfrm>
+          <a:off x="0" y="0"/>
+          <a:ext cx="0" cy="0"/>
+          <a:chOff x="0" y="0"/>
+          <a:chExt cx="0" cy="0"/>
+        </a:xfrm>
+      </p:grpSpPr>
+      <p:sp>
+        <p:nvSpPr>
+          <p:cNvPr id="359" name="Google Shape;359;p14"/>
+          <p:cNvSpPr txBox="1">
+            <a:spLocks noGrp="1"/>
+          </p:cNvSpPr>
+          <p:nvPr>
+            <p:ph type="ctrTitle"/>
+          </p:nvPr>
+        </p:nvSpPr>
+        <p:spPr>
+          <a:xfrm>
+            <a:off x="2743200" y="1735750"/>
+            <a:ext cx="5638800" cy="1159800"/>
+          </a:xfrm>
+          <a:prstGeom prst="rect">
+            <a:avLst/>
+          </a:prstGeom>
+        </p:spPr>
+        <p:txBody>
+          <a:bodyPr spcFirstLastPara="1" wrap="square" lIns="91425" tIns="91425" rIns="91425" bIns="91425" anchor="b" anchorCtr="0">
+            <a:noAutofit/>
+          </a:bodyPr>
+          <a:lstStyle/>
+          <a:p>
+            <a:pPr marL="0" lvl="0" indent="0" algn="l" rtl="0">
+              <a:spcBef>
+                <a:spcPts val="0"/>
+              </a:spcBef>
+              <a:spcAft>
+                <a:spcPts val="0"/>
+              </a:spcAft>
+              <a:buNone/>
+            </a:pPr>
+            <a:r>
+              <a:rPr lang="en" dirty="0"/>
+              <a:t>SDLC and life cycle models</a:t>
+            </a:r>
+            <a:endParaRPr dirty="0"/>
+          </a:p>
+        </p:txBody>
+      </p:sp>
+      <p:sp>
+        <p:nvSpPr>
+          <p:cNvPr id="360" name="Google Shape;360;p14"/>
+          <p:cNvSpPr txBox="1">
+            <a:spLocks noGrp="1"/>
+          </p:cNvSpPr>
+          <p:nvPr>
+            <p:ph type="subTitle" idx="1"/>
+          </p:nvPr>
+        </p:nvSpPr>
+        <p:spPr>
+          <a:xfrm>
+            <a:off x="2743200" y="2821004"/>
+            <a:ext cx="5696100" cy="784800"/>
+          </a:xfrm>
+          <a:prstGeom prst="rect">
+            <a:avLst/>
+          </a:prstGeom>
+        </p:spPr>
+        <p:txBody>
+          <a:bodyPr spcFirstLastPara="1" wrap="square" lIns="91425" tIns="91425" rIns="91425" bIns="91425" anchor="t" anchorCtr="0">
+            <a:noAutofit/>
+          </a:bodyPr>
+          <a:lstStyle/>
+          <a:p>
+            <a:pPr marL="0" lvl="0" indent="0" algn="l" rtl="0">
+              <a:spcBef>
+                <a:spcPts val="0"/>
+              </a:spcBef>
+              <a:spcAft>
+                <a:spcPts val="0"/>
+              </a:spcAft>
+              <a:buNone/>
+            </a:pPr>
+            <a:r>
+              <a:rPr lang="en" dirty="0"/>
+              <a:t>(waterfall, Spiral, Prototype)</a:t>
+            </a:r>
+            <a:endParaRPr dirty="0"/>
+          </a:p>
+        </p:txBody>
+      </p:sp>
+      <p:sp>
+        <p:nvSpPr>
+          <p:cNvPr id="361" name="Google Shape;361;p14"/>
+          <p:cNvSpPr txBox="1"/>
+          <p:nvPr/>
+        </p:nvSpPr>
+        <p:spPr>
+          <a:xfrm>
+            <a:off x="409575" y="1676400"/>
+            <a:ext cx="2067000" cy="1771800"/>
+          </a:xfrm>
+          <a:prstGeom prst="rect">
+            <a:avLst/>
+          </a:prstGeom>
+          <a:noFill/>
+          <a:ln>
+            <a:noFill/>
+          </a:ln>
+        </p:spPr>
+        <p:txBody>
+          <a:bodyPr spcFirstLastPara="1" wrap="square" lIns="91425" tIns="91425" rIns="91425" bIns="91425" anchor="ctr" anchorCtr="0">
+            <a:noAutofit/>
+          </a:bodyPr>
+          <a:lstStyle/>
+          <a:p>
+            <a:pPr marL="0" lvl="0" indent="0" algn="ctr" rtl="0">
+              <a:spcBef>
+                <a:spcPts val="0"/>
+              </a:spcBef>
+              <a:spcAft>
+                <a:spcPts val="0"/>
+              </a:spcAft>
+              <a:buNone/>
+            </a:pPr>
+            <a:r>
+              <a:rPr lang="en" sz="4800" b="1" dirty="0">
+                <a:solidFill>
+                  <a:srgbClr val="FFFFFF"/>
+                </a:solidFill>
+                <a:latin typeface="Nixie One"/>
+                <a:sym typeface="Nixie One"/>
+              </a:rPr>
+              <a:t>4</a:t>
+            </a:r>
+            <a:endParaRPr b="1" dirty="0">
+              <a:solidFill>
+                <a:srgbClr val="FFFFFF"/>
+              </a:solidFill>
+            </a:endParaRPr>
+          </a:p>
+        </p:txBody>
+      </p:sp>
+    </p:spTree>
+    <p:extLst>
+      <p:ext uri="{BB962C8B-B14F-4D97-AF65-F5344CB8AC3E}">
+        <p14:creationId xmlns:p14="http://schemas.microsoft.com/office/powerpoint/2010/main" val="539854959"/>
+      </p:ext>
+    </p:extLst>
+  </p:cSld>
+  <p:clrMapOvr>
+    <a:masterClrMapping/>
+  </p:clrMapOvr>
+</p:sld>
+</file>
+
 <file path=ppt/slides/slide2.xml><?xml version="1.0" encoding="utf-8"?>
 <p:sld xmlns:a="http://schemas.openxmlformats.org/drawingml/2006/main" xmlns:r="http://schemas.openxmlformats.org/officeDocument/2006/relationships" xmlns:p="http://schemas.openxmlformats.org/presentationml/2006/main">
   <p:cSld>
@@ -26271,172 +26191,6 @@
 </file>
 
 <file path=ppt/slides/slide20.xml><?xml version="1.0" encoding="utf-8"?>
-<p:sld xmlns:a="http://schemas.openxmlformats.org/drawingml/2006/main" xmlns:r="http://schemas.openxmlformats.org/officeDocument/2006/relationships" xmlns:p="http://schemas.openxmlformats.org/presentationml/2006/main">
-  <p:cSld>
-    <p:spTree>
-      <p:nvGrpSpPr>
-        <p:cNvPr id="1" name="Shape 358"/>
-        <p:cNvGrpSpPr/>
-        <p:nvPr/>
-      </p:nvGrpSpPr>
-      <p:grpSpPr>
-        <a:xfrm>
-          <a:off x="0" y="0"/>
-          <a:ext cx="0" cy="0"/>
-          <a:chOff x="0" y="0"/>
-          <a:chExt cx="0" cy="0"/>
-        </a:xfrm>
-      </p:grpSpPr>
-      <p:sp>
-        <p:nvSpPr>
-          <p:cNvPr id="359" name="Google Shape;359;p14"/>
-          <p:cNvSpPr txBox="1">
-            <a:spLocks noGrp="1"/>
-          </p:cNvSpPr>
-          <p:nvPr>
-            <p:ph type="ctrTitle"/>
-          </p:nvPr>
-        </p:nvSpPr>
-        <p:spPr>
-          <a:xfrm>
-            <a:off x="2743200" y="1735750"/>
-            <a:ext cx="5638800" cy="1159800"/>
-          </a:xfrm>
-          <a:prstGeom prst="rect">
-            <a:avLst/>
-          </a:prstGeom>
-        </p:spPr>
-        <p:txBody>
-          <a:bodyPr spcFirstLastPara="1" wrap="square" lIns="91425" tIns="91425" rIns="91425" bIns="91425" anchor="b" anchorCtr="0">
-            <a:noAutofit/>
-          </a:bodyPr>
-          <a:lstStyle/>
-          <a:p>
-            <a:pPr marL="0" lvl="0" indent="0" algn="l" rtl="0">
-              <a:spcBef>
-                <a:spcPts val="0"/>
-              </a:spcBef>
-              <a:spcAft>
-                <a:spcPts val="0"/>
-              </a:spcAft>
-              <a:buNone/>
-            </a:pPr>
-            <a:r>
-              <a:rPr lang="en" dirty="0"/>
-              <a:t>SDLC and life cycle models</a:t>
-            </a:r>
-            <a:endParaRPr dirty="0"/>
-          </a:p>
-        </p:txBody>
-      </p:sp>
-      <p:sp>
-        <p:nvSpPr>
-          <p:cNvPr id="360" name="Google Shape;360;p14"/>
-          <p:cNvSpPr txBox="1">
-            <a:spLocks noGrp="1"/>
-          </p:cNvSpPr>
-          <p:nvPr>
-            <p:ph type="subTitle" idx="1"/>
-          </p:nvPr>
-        </p:nvSpPr>
-        <p:spPr>
-          <a:xfrm>
-            <a:off x="2743200" y="2821004"/>
-            <a:ext cx="5696100" cy="784800"/>
-          </a:xfrm>
-          <a:prstGeom prst="rect">
-            <a:avLst/>
-          </a:prstGeom>
-        </p:spPr>
-        <p:txBody>
-          <a:bodyPr spcFirstLastPara="1" wrap="square" lIns="91425" tIns="91425" rIns="91425" bIns="91425" anchor="t" anchorCtr="0">
-            <a:noAutofit/>
-          </a:bodyPr>
-          <a:lstStyle/>
-          <a:p>
-            <a:pPr marL="0" lvl="0" indent="0" algn="l" rtl="0">
-              <a:spcBef>
-                <a:spcPts val="0"/>
-              </a:spcBef>
-              <a:spcAft>
-                <a:spcPts val="0"/>
-              </a:spcAft>
-              <a:buNone/>
-            </a:pPr>
-            <a:r>
-              <a:rPr lang="en" dirty="0"/>
-              <a:t>(waterfall, Spiral, Prototype)</a:t>
-            </a:r>
-            <a:endParaRPr dirty="0"/>
-          </a:p>
-        </p:txBody>
-      </p:sp>
-      <p:sp>
-        <p:nvSpPr>
-          <p:cNvPr id="361" name="Google Shape;361;p14"/>
-          <p:cNvSpPr txBox="1"/>
-          <p:nvPr/>
-        </p:nvSpPr>
-        <p:spPr>
-          <a:xfrm>
-            <a:off x="409575" y="1676400"/>
-            <a:ext cx="2067000" cy="1771800"/>
-          </a:xfrm>
-          <a:prstGeom prst="rect">
-            <a:avLst/>
-          </a:prstGeom>
-          <a:noFill/>
-          <a:ln>
-            <a:noFill/>
-          </a:ln>
-        </p:spPr>
-        <p:txBody>
-          <a:bodyPr spcFirstLastPara="1" wrap="square" lIns="91425" tIns="91425" rIns="91425" bIns="91425" anchor="ctr" anchorCtr="0">
-            <a:noAutofit/>
-          </a:bodyPr>
-          <a:lstStyle/>
-          <a:p>
-            <a:pPr marL="0" lvl="0" indent="0" algn="ctr" rtl="0">
-              <a:spcBef>
-                <a:spcPts val="0"/>
-              </a:spcBef>
-              <a:spcAft>
-                <a:spcPts val="0"/>
-              </a:spcAft>
-              <a:buNone/>
-            </a:pPr>
-            <a:r>
-              <a:rPr lang="en" sz="4800" b="1" dirty="0">
-                <a:solidFill>
-                  <a:srgbClr val="FFFFFF"/>
-                </a:solidFill>
-                <a:latin typeface="Nixie One"/>
-                <a:sym typeface="Nixie One"/>
-              </a:rPr>
-              <a:t>4</a:t>
-            </a:r>
-            <a:endParaRPr b="1" dirty="0">
-              <a:solidFill>
-                <a:srgbClr val="FFFFFF"/>
-              </a:solidFill>
-            </a:endParaRPr>
-          </a:p>
-        </p:txBody>
-      </p:sp>
-    </p:spTree>
-    <p:extLst>
-      <p:ext uri="{BB962C8B-B14F-4D97-AF65-F5344CB8AC3E}">
-        <p14:creationId xmlns:p14="http://schemas.microsoft.com/office/powerpoint/2010/main" val="539854959"/>
-      </p:ext>
-    </p:extLst>
-  </p:cSld>
-  <p:clrMapOvr>
-    <a:masterClrMapping/>
-  </p:clrMapOvr>
-</p:sld>
-</file>
-
-<file path=ppt/slides/slide21.xml><?xml version="1.0" encoding="utf-8"?>
 <p:sld xmlns:a="http://schemas.openxmlformats.org/drawingml/2006/main" xmlns:r="http://schemas.openxmlformats.org/officeDocument/2006/relationships" xmlns:p="http://schemas.openxmlformats.org/presentationml/2006/main">
   <p:cSld>
     <p:spTree>
@@ -26576,7 +26330,7 @@
             </a:pPr>
             <a:fld id="{00000000-1234-1234-1234-123412341234}" type="slidenum">
               <a:rPr lang="en" smtClean="0"/>
-              <a:t>21</a:t>
+              <a:t>20</a:t>
             </a:fld>
             <a:endParaRPr lang="en"/>
           </a:p>
@@ -26595,7 +26349,7 @@
 </p:sld>
 </file>
 
-<file path=ppt/slides/slide22.xml><?xml version="1.0" encoding="utf-8"?>
+<file path=ppt/slides/slide21.xml><?xml version="1.0" encoding="utf-8"?>
 <p:sld xmlns:a="http://schemas.openxmlformats.org/drawingml/2006/main" xmlns:r="http://schemas.openxmlformats.org/officeDocument/2006/relationships" xmlns:p="http://schemas.openxmlformats.org/presentationml/2006/main">
   <p:cSld>
     <p:spTree>
@@ -26678,7 +26432,7 @@
             </a:pPr>
             <a:fld id="{00000000-1234-1234-1234-123412341234}" type="slidenum">
               <a:rPr lang="en" smtClean="0"/>
-              <a:t>22</a:t>
+              <a:t>21</a:t>
             </a:fld>
             <a:endParaRPr lang="en"/>
           </a:p>
@@ -26754,7 +26508,7 @@
 </p:sld>
 </file>
 
-<file path=ppt/slides/slide23.xml><?xml version="1.0" encoding="utf-8"?>
+<file path=ppt/slides/slide22.xml><?xml version="1.0" encoding="utf-8"?>
 <p:sld xmlns:a="http://schemas.openxmlformats.org/drawingml/2006/main" xmlns:r="http://schemas.openxmlformats.org/officeDocument/2006/relationships" xmlns:p="http://schemas.openxmlformats.org/presentationml/2006/main">
   <p:cSld>
     <p:spTree>
@@ -26837,7 +26591,7 @@
             </a:pPr>
             <a:fld id="{00000000-1234-1234-1234-123412341234}" type="slidenum">
               <a:rPr lang="en" smtClean="0"/>
-              <a:t>23</a:t>
+              <a:t>22</a:t>
             </a:fld>
             <a:endParaRPr lang="en"/>
           </a:p>
@@ -26928,7 +26682,7 @@
 </p:sld>
 </file>
 
-<file path=ppt/slides/slide24.xml><?xml version="1.0" encoding="utf-8"?>
+<file path=ppt/slides/slide23.xml><?xml version="1.0" encoding="utf-8"?>
 <p:sld xmlns:a="http://schemas.openxmlformats.org/drawingml/2006/main" xmlns:r="http://schemas.openxmlformats.org/officeDocument/2006/relationships" xmlns:p="http://schemas.openxmlformats.org/presentationml/2006/main">
   <p:cSld>
     <p:spTree>
@@ -27011,7 +26765,7 @@
             </a:pPr>
             <a:fld id="{00000000-1234-1234-1234-123412341234}" type="slidenum">
               <a:rPr lang="en" smtClean="0"/>
-              <a:t>24</a:t>
+              <a:t>23</a:t>
             </a:fld>
             <a:endParaRPr lang="en"/>
           </a:p>
@@ -27144,7 +26898,7 @@
 </p:sld>
 </file>
 
-<file path=ppt/slides/slide25.xml><?xml version="1.0" encoding="utf-8"?>
+<file path=ppt/slides/slide24.xml><?xml version="1.0" encoding="utf-8"?>
 <p:sld xmlns:a="http://schemas.openxmlformats.org/drawingml/2006/main" xmlns:r="http://schemas.openxmlformats.org/officeDocument/2006/relationships" xmlns:p="http://schemas.openxmlformats.org/presentationml/2006/main">
   <p:cSld>
     <p:spTree>
@@ -27226,7 +26980,7 @@
             </a:pPr>
             <a:fld id="{00000000-1234-1234-1234-123412341234}" type="slidenum">
               <a:rPr lang="en" smtClean="0"/>
-              <a:t>25</a:t>
+              <a:t>24</a:t>
             </a:fld>
             <a:endParaRPr lang="en"/>
           </a:p>
@@ -35194,7 +34948,7 @@
 </p:sld>
 </file>
 
-<file path=ppt/slides/slide26.xml><?xml version="1.0" encoding="utf-8"?>
+<file path=ppt/slides/slide25.xml><?xml version="1.0" encoding="utf-8"?>
 <p:sld xmlns:a="http://schemas.openxmlformats.org/drawingml/2006/main" xmlns:r="http://schemas.openxmlformats.org/officeDocument/2006/relationships" xmlns:p="http://schemas.openxmlformats.org/presentationml/2006/main">
   <p:cSld>
     <p:spTree>
@@ -35277,7 +35031,7 @@
             </a:pPr>
             <a:fld id="{00000000-1234-1234-1234-123412341234}" type="slidenum">
               <a:rPr lang="en" smtClean="0"/>
-              <a:t>26</a:t>
+              <a:t>25</a:t>
             </a:fld>
             <a:endParaRPr lang="en"/>
           </a:p>
@@ -35382,7 +35136,7 @@
 </p:sld>
 </file>
 
-<file path=ppt/slides/slide27.xml><?xml version="1.0" encoding="utf-8"?>
+<file path=ppt/slides/slide26.xml><?xml version="1.0" encoding="utf-8"?>
 <p:sld xmlns:a="http://schemas.openxmlformats.org/drawingml/2006/main" xmlns:r="http://schemas.openxmlformats.org/officeDocument/2006/relationships" xmlns:p="http://schemas.openxmlformats.org/presentationml/2006/main">
   <p:cSld>
     <p:spTree>
@@ -35465,7 +35219,7 @@
             </a:pPr>
             <a:fld id="{00000000-1234-1234-1234-123412341234}" type="slidenum">
               <a:rPr lang="en" smtClean="0"/>
-              <a:t>27</a:t>
+              <a:t>26</a:t>
             </a:fld>
             <a:endParaRPr lang="en"/>
           </a:p>
@@ -35552,7 +35306,7 @@
 </p:sld>
 </file>
 
-<file path=ppt/slides/slide28.xml><?xml version="1.0" encoding="utf-8"?>
+<file path=ppt/slides/slide27.xml><?xml version="1.0" encoding="utf-8"?>
 <p:sld xmlns:a="http://schemas.openxmlformats.org/drawingml/2006/main" xmlns:r="http://schemas.openxmlformats.org/officeDocument/2006/relationships" xmlns:p="http://schemas.openxmlformats.org/presentationml/2006/main">
   <p:cSld>
     <p:spTree>
@@ -35635,7 +35389,7 @@
             </a:pPr>
             <a:fld id="{00000000-1234-1234-1234-123412341234}" type="slidenum">
               <a:rPr lang="en" smtClean="0"/>
-              <a:t>28</a:t>
+              <a:t>27</a:t>
             </a:fld>
             <a:endParaRPr lang="en"/>
           </a:p>
@@ -35736,7 +35490,7 @@
 </p:sld>
 </file>
 
-<file path=ppt/slides/slide29.xml><?xml version="1.0" encoding="utf-8"?>
+<file path=ppt/slides/slide28.xml><?xml version="1.0" encoding="utf-8"?>
 <p:sld xmlns:a="http://schemas.openxmlformats.org/drawingml/2006/main" xmlns:r="http://schemas.openxmlformats.org/officeDocument/2006/relationships" xmlns:p="http://schemas.openxmlformats.org/presentationml/2006/main">
   <p:cSld>
     <p:spTree>
@@ -35819,7 +35573,7 @@
             </a:pPr>
             <a:fld id="{00000000-1234-1234-1234-123412341234}" type="slidenum">
               <a:rPr lang="en" smtClean="0"/>
-              <a:t>29</a:t>
+              <a:t>28</a:t>
             </a:fld>
             <a:endParaRPr lang="en"/>
           </a:p>
@@ -35980,6 +35734,200 @@
 </p:sld>
 </file>
 
+<file path=ppt/slides/slide29.xml><?xml version="1.0" encoding="utf-8"?>
+<p:sld xmlns:a="http://schemas.openxmlformats.org/drawingml/2006/main" xmlns:r="http://schemas.openxmlformats.org/officeDocument/2006/relationships" xmlns:p="http://schemas.openxmlformats.org/presentationml/2006/main">
+  <p:cSld>
+    <p:spTree>
+      <p:nvGrpSpPr>
+        <p:cNvPr id="1" name=""/>
+        <p:cNvGrpSpPr/>
+        <p:nvPr/>
+      </p:nvGrpSpPr>
+      <p:grpSpPr>
+        <a:xfrm>
+          <a:off x="0" y="0"/>
+          <a:ext cx="0" cy="0"/>
+          <a:chOff x="0" y="0"/>
+          <a:chExt cx="0" cy="0"/>
+        </a:xfrm>
+      </p:grpSpPr>
+      <p:sp>
+        <p:nvSpPr>
+          <p:cNvPr id="2" name="Title 1">
+            <a:extLst>
+              <a:ext uri="{FF2B5EF4-FFF2-40B4-BE49-F238E27FC236}">
+                <a16:creationId xmlns:a16="http://schemas.microsoft.com/office/drawing/2014/main" id="{E8886E3E-5377-68EA-C26E-C9B0B3B98747}"/>
+              </a:ext>
+            </a:extLst>
+          </p:cNvPr>
+          <p:cNvSpPr>
+            <a:spLocks noGrp="1"/>
+          </p:cNvSpPr>
+          <p:nvPr>
+            <p:ph type="title"/>
+          </p:nvPr>
+        </p:nvSpPr>
+        <p:spPr>
+          <a:xfrm>
+            <a:off x="13557" y="357975"/>
+            <a:ext cx="9130443" cy="645300"/>
+          </a:xfrm>
+        </p:spPr>
+        <p:txBody>
+          <a:bodyPr/>
+          <a:lstStyle/>
+          <a:p>
+            <a:pPr algn="ctr"/>
+            <a:r>
+              <a:rPr lang="en-NP" dirty="0"/>
+              <a:t>Advantages of Spiral Model</a:t>
+            </a:r>
+          </a:p>
+        </p:txBody>
+      </p:sp>
+      <p:sp>
+        <p:nvSpPr>
+          <p:cNvPr id="3" name="Slide Number Placeholder 2">
+            <a:extLst>
+              <a:ext uri="{FF2B5EF4-FFF2-40B4-BE49-F238E27FC236}">
+                <a16:creationId xmlns:a16="http://schemas.microsoft.com/office/drawing/2014/main" id="{5D7F3698-4558-ECFB-3316-F932607DF247}"/>
+              </a:ext>
+            </a:extLst>
+          </p:cNvPr>
+          <p:cNvSpPr>
+            <a:spLocks noGrp="1"/>
+          </p:cNvSpPr>
+          <p:nvPr>
+            <p:ph type="sldNum" idx="10"/>
+          </p:nvPr>
+        </p:nvSpPr>
+        <p:spPr/>
+        <p:txBody>
+          <a:bodyPr/>
+          <a:lstStyle/>
+          <a:p>
+            <a:pPr marL="0" lvl="0" indent="0" algn="l" rtl="0">
+              <a:spcBef>
+                <a:spcPts val="0"/>
+              </a:spcBef>
+              <a:spcAft>
+                <a:spcPts val="0"/>
+              </a:spcAft>
+              <a:buNone/>
+            </a:pPr>
+            <a:fld id="{00000000-1234-1234-1234-123412341234}" type="slidenum">
+              <a:rPr lang="en" smtClean="0"/>
+              <a:t>29</a:t>
+            </a:fld>
+            <a:endParaRPr lang="en"/>
+          </a:p>
+        </p:txBody>
+      </p:sp>
+      <p:sp>
+        <p:nvSpPr>
+          <p:cNvPr id="4" name="Text Placeholder 3">
+            <a:extLst>
+              <a:ext uri="{FF2B5EF4-FFF2-40B4-BE49-F238E27FC236}">
+                <a16:creationId xmlns:a16="http://schemas.microsoft.com/office/drawing/2014/main" id="{5F3C7063-AF75-4123-142C-CD536D17547B}"/>
+              </a:ext>
+            </a:extLst>
+          </p:cNvPr>
+          <p:cNvSpPr>
+            <a:spLocks noGrp="1"/>
+          </p:cNvSpPr>
+          <p:nvPr>
+            <p:ph type="body" idx="1"/>
+          </p:nvPr>
+        </p:nvSpPr>
+        <p:spPr>
+          <a:xfrm>
+            <a:off x="562256" y="1041626"/>
+            <a:ext cx="7987383" cy="3705548"/>
+          </a:xfrm>
+        </p:spPr>
+        <p:txBody>
+          <a:bodyPr/>
+          <a:lstStyle/>
+          <a:p>
+            <a:pPr algn="just"/>
+            <a:r>
+              <a:rPr lang="en-US" dirty="0"/>
+              <a:t>Development is fast</a:t>
+            </a:r>
+          </a:p>
+          <a:p>
+            <a:pPr algn="just"/>
+            <a:r>
+              <a:rPr lang="en-US" dirty="0"/>
+              <a:t>Larger projects / software are created and handled in a strategic way</a:t>
+            </a:r>
+          </a:p>
+          <a:p>
+            <a:pPr algn="just"/>
+            <a:r>
+              <a:rPr lang="en-US" dirty="0"/>
+              <a:t>Risk evaluation is proper.</a:t>
+            </a:r>
+          </a:p>
+          <a:p>
+            <a:pPr algn="just"/>
+            <a:r>
+              <a:rPr lang="en-US" dirty="0"/>
+              <a:t>Control towards all the phases of development.</a:t>
+            </a:r>
+          </a:p>
+          <a:p>
+            <a:pPr algn="just"/>
+            <a:r>
+              <a:rPr lang="en-US" dirty="0"/>
+              <a:t>More and more features are added in a systematic way.</a:t>
+            </a:r>
+          </a:p>
+          <a:p>
+            <a:pPr algn="just"/>
+            <a:r>
+              <a:rPr lang="en-US" dirty="0"/>
+              <a:t>Software is produced early.</a:t>
+            </a:r>
+          </a:p>
+          <a:p>
+            <a:r>
+              <a:rPr lang="en-US" dirty="0"/>
+              <a:t>Has room for customer feedback and the changes are implemented faster</a:t>
+            </a:r>
+          </a:p>
+          <a:p>
+            <a:pPr algn="just"/>
+            <a:endParaRPr lang="en-US" dirty="0"/>
+          </a:p>
+          <a:p>
+            <a:pPr algn="just"/>
+            <a:endParaRPr lang="en-US" dirty="0"/>
+          </a:p>
+          <a:p>
+            <a:pPr marL="596900" lvl="1" indent="0">
+              <a:buNone/>
+            </a:pPr>
+            <a:endParaRPr lang="en-NP" dirty="0"/>
+          </a:p>
+        </p:txBody>
+      </p:sp>
+    </p:spTree>
+    <p:extLst>
+      <p:ext uri="{BB962C8B-B14F-4D97-AF65-F5344CB8AC3E}">
+        <p14:creationId xmlns:p14="http://schemas.microsoft.com/office/powerpoint/2010/main" val="1805544586"/>
+      </p:ext>
+    </p:extLst>
+  </p:cSld>
+  <p:clrMapOvr>
+    <a:masterClrMapping/>
+  </p:clrMapOvr>
+  <p:transition>
+    <p:fade thruBlk="1"/>
+  </p:transition>
+</p:sld>
+</file>
+
 <file path=ppt/slides/slide3.xml><?xml version="1.0" encoding="utf-8"?>
 <p:sld xmlns:a="http://schemas.openxmlformats.org/drawingml/2006/main" xmlns:r="http://schemas.openxmlformats.org/officeDocument/2006/relationships" xmlns:p="http://schemas.openxmlformats.org/presentationml/2006/main">
   <p:cSld>
@@ -36732,200 +36680,6 @@
             <a:pPr algn="ctr"/>
             <a:r>
               <a:rPr lang="en-NP" dirty="0"/>
-              <a:t>Advantages of Spiral Model</a:t>
-            </a:r>
-          </a:p>
-        </p:txBody>
-      </p:sp>
-      <p:sp>
-        <p:nvSpPr>
-          <p:cNvPr id="3" name="Slide Number Placeholder 2">
-            <a:extLst>
-              <a:ext uri="{FF2B5EF4-FFF2-40B4-BE49-F238E27FC236}">
-                <a16:creationId xmlns:a16="http://schemas.microsoft.com/office/drawing/2014/main" id="{5D7F3698-4558-ECFB-3316-F932607DF247}"/>
-              </a:ext>
-            </a:extLst>
-          </p:cNvPr>
-          <p:cNvSpPr>
-            <a:spLocks noGrp="1"/>
-          </p:cNvSpPr>
-          <p:nvPr>
-            <p:ph type="sldNum" idx="10"/>
-          </p:nvPr>
-        </p:nvSpPr>
-        <p:spPr/>
-        <p:txBody>
-          <a:bodyPr/>
-          <a:lstStyle/>
-          <a:p>
-            <a:pPr marL="0" lvl="0" indent="0" algn="l" rtl="0">
-              <a:spcBef>
-                <a:spcPts val="0"/>
-              </a:spcBef>
-              <a:spcAft>
-                <a:spcPts val="0"/>
-              </a:spcAft>
-              <a:buNone/>
-            </a:pPr>
-            <a:fld id="{00000000-1234-1234-1234-123412341234}" type="slidenum">
-              <a:rPr lang="en" smtClean="0"/>
-              <a:t>30</a:t>
-            </a:fld>
-            <a:endParaRPr lang="en"/>
-          </a:p>
-        </p:txBody>
-      </p:sp>
-      <p:sp>
-        <p:nvSpPr>
-          <p:cNvPr id="4" name="Text Placeholder 3">
-            <a:extLst>
-              <a:ext uri="{FF2B5EF4-FFF2-40B4-BE49-F238E27FC236}">
-                <a16:creationId xmlns:a16="http://schemas.microsoft.com/office/drawing/2014/main" id="{5F3C7063-AF75-4123-142C-CD536D17547B}"/>
-              </a:ext>
-            </a:extLst>
-          </p:cNvPr>
-          <p:cNvSpPr>
-            <a:spLocks noGrp="1"/>
-          </p:cNvSpPr>
-          <p:nvPr>
-            <p:ph type="body" idx="1"/>
-          </p:nvPr>
-        </p:nvSpPr>
-        <p:spPr>
-          <a:xfrm>
-            <a:off x="562256" y="1041626"/>
-            <a:ext cx="7987383" cy="3705548"/>
-          </a:xfrm>
-        </p:spPr>
-        <p:txBody>
-          <a:bodyPr/>
-          <a:lstStyle/>
-          <a:p>
-            <a:pPr algn="just"/>
-            <a:r>
-              <a:rPr lang="en-US" dirty="0"/>
-              <a:t>Development is fast</a:t>
-            </a:r>
-          </a:p>
-          <a:p>
-            <a:pPr algn="just"/>
-            <a:r>
-              <a:rPr lang="en-US" dirty="0"/>
-              <a:t>Larger projects / software are created and handled in a strategic way</a:t>
-            </a:r>
-          </a:p>
-          <a:p>
-            <a:pPr algn="just"/>
-            <a:r>
-              <a:rPr lang="en-US" dirty="0"/>
-              <a:t>Risk evaluation is proper.</a:t>
-            </a:r>
-          </a:p>
-          <a:p>
-            <a:pPr algn="just"/>
-            <a:r>
-              <a:rPr lang="en-US" dirty="0"/>
-              <a:t>Control towards all the phases of development.</a:t>
-            </a:r>
-          </a:p>
-          <a:p>
-            <a:pPr algn="just"/>
-            <a:r>
-              <a:rPr lang="en-US" dirty="0"/>
-              <a:t>More and more features are added in a systematic way.</a:t>
-            </a:r>
-          </a:p>
-          <a:p>
-            <a:pPr algn="just"/>
-            <a:r>
-              <a:rPr lang="en-US" dirty="0"/>
-              <a:t>Software is produced early.</a:t>
-            </a:r>
-          </a:p>
-          <a:p>
-            <a:r>
-              <a:rPr lang="en-US" dirty="0"/>
-              <a:t>Has room for customer feedback and the changes are implemented faster</a:t>
-            </a:r>
-          </a:p>
-          <a:p>
-            <a:pPr algn="just"/>
-            <a:endParaRPr lang="en-US" dirty="0"/>
-          </a:p>
-          <a:p>
-            <a:pPr algn="just"/>
-            <a:endParaRPr lang="en-US" dirty="0"/>
-          </a:p>
-          <a:p>
-            <a:pPr marL="596900" lvl="1" indent="0">
-              <a:buNone/>
-            </a:pPr>
-            <a:endParaRPr lang="en-NP" dirty="0"/>
-          </a:p>
-        </p:txBody>
-      </p:sp>
-    </p:spTree>
-    <p:extLst>
-      <p:ext uri="{BB962C8B-B14F-4D97-AF65-F5344CB8AC3E}">
-        <p14:creationId xmlns:p14="http://schemas.microsoft.com/office/powerpoint/2010/main" val="1805544586"/>
-      </p:ext>
-    </p:extLst>
-  </p:cSld>
-  <p:clrMapOvr>
-    <a:masterClrMapping/>
-  </p:clrMapOvr>
-  <p:transition>
-    <p:fade thruBlk="1"/>
-  </p:transition>
-</p:sld>
-</file>
-
-<file path=ppt/slides/slide31.xml><?xml version="1.0" encoding="utf-8"?>
-<p:sld xmlns:a="http://schemas.openxmlformats.org/drawingml/2006/main" xmlns:r="http://schemas.openxmlformats.org/officeDocument/2006/relationships" xmlns:p="http://schemas.openxmlformats.org/presentationml/2006/main">
-  <p:cSld>
-    <p:spTree>
-      <p:nvGrpSpPr>
-        <p:cNvPr id="1" name=""/>
-        <p:cNvGrpSpPr/>
-        <p:nvPr/>
-      </p:nvGrpSpPr>
-      <p:grpSpPr>
-        <a:xfrm>
-          <a:off x="0" y="0"/>
-          <a:ext cx="0" cy="0"/>
-          <a:chOff x="0" y="0"/>
-          <a:chExt cx="0" cy="0"/>
-        </a:xfrm>
-      </p:grpSpPr>
-      <p:sp>
-        <p:nvSpPr>
-          <p:cNvPr id="2" name="Title 1">
-            <a:extLst>
-              <a:ext uri="{FF2B5EF4-FFF2-40B4-BE49-F238E27FC236}">
-                <a16:creationId xmlns:a16="http://schemas.microsoft.com/office/drawing/2014/main" id="{E8886E3E-5377-68EA-C26E-C9B0B3B98747}"/>
-              </a:ext>
-            </a:extLst>
-          </p:cNvPr>
-          <p:cNvSpPr>
-            <a:spLocks noGrp="1"/>
-          </p:cNvSpPr>
-          <p:nvPr>
-            <p:ph type="title"/>
-          </p:nvPr>
-        </p:nvSpPr>
-        <p:spPr>
-          <a:xfrm>
-            <a:off x="13557" y="357975"/>
-            <a:ext cx="9130443" cy="645300"/>
-          </a:xfrm>
-        </p:spPr>
-        <p:txBody>
-          <a:bodyPr/>
-          <a:lstStyle/>
-          <a:p>
-            <a:pPr algn="ctr"/>
-            <a:r>
-              <a:rPr lang="en-NP" dirty="0"/>
               <a:t>Disadvantages of Spiral Model</a:t>
             </a:r>
           </a:p>
@@ -36963,7 +36717,7 @@
             </a:pPr>
             <a:fld id="{00000000-1234-1234-1234-123412341234}" type="slidenum">
               <a:rPr lang="en" smtClean="0"/>
-              <a:t>31</a:t>
+              <a:t>30</a:t>
             </a:fld>
             <a:endParaRPr lang="en"/>
           </a:p>
@@ -37047,7 +36801,7 @@
 </p:sld>
 </file>
 
-<file path=ppt/slides/slide32.xml><?xml version="1.0" encoding="utf-8"?>
+<file path=ppt/slides/slide31.xml><?xml version="1.0" encoding="utf-8"?>
 <p:sld xmlns:a="http://schemas.openxmlformats.org/drawingml/2006/main" xmlns:r="http://schemas.openxmlformats.org/officeDocument/2006/relationships" xmlns:p="http://schemas.openxmlformats.org/presentationml/2006/main">
   <p:cSld>
     <p:spTree>
@@ -37130,7 +36884,7 @@
             </a:pPr>
             <a:fld id="{00000000-1234-1234-1234-123412341234}" type="slidenum">
               <a:rPr lang="en" smtClean="0"/>
-              <a:t>32</a:t>
+              <a:t>31</a:t>
             </a:fld>
             <a:endParaRPr lang="en"/>
           </a:p>
@@ -37253,7 +37007,7 @@
 </p:sld>
 </file>
 
-<file path=ppt/slides/slide33.xml><?xml version="1.0" encoding="utf-8"?>
+<file path=ppt/slides/slide32.xml><?xml version="1.0" encoding="utf-8"?>
 <p:sld xmlns:a="http://schemas.openxmlformats.org/drawingml/2006/main" xmlns:r="http://schemas.openxmlformats.org/officeDocument/2006/relationships" xmlns:p="http://schemas.openxmlformats.org/presentationml/2006/main">
   <p:cSld>
     <p:spTree>
@@ -37336,7 +37090,7 @@
             </a:pPr>
             <a:fld id="{00000000-1234-1234-1234-123412341234}" type="slidenum">
               <a:rPr lang="en" smtClean="0"/>
-              <a:t>33</a:t>
+              <a:t>32</a:t>
             </a:fld>
             <a:endParaRPr lang="en"/>
           </a:p>
@@ -37434,7 +37188,7 @@
 </p:sld>
 </file>
 
-<file path=ppt/slides/slide34.xml><?xml version="1.0" encoding="utf-8"?>
+<file path=ppt/slides/slide33.xml><?xml version="1.0" encoding="utf-8"?>
 <p:sld xmlns:a="http://schemas.openxmlformats.org/drawingml/2006/main" xmlns:r="http://schemas.openxmlformats.org/officeDocument/2006/relationships" xmlns:p="http://schemas.openxmlformats.org/presentationml/2006/main">
   <p:cSld>
     <p:spTree>
@@ -37517,7 +37271,7 @@
             </a:pPr>
             <a:fld id="{00000000-1234-1234-1234-123412341234}" type="slidenum">
               <a:rPr lang="en" smtClean="0"/>
-              <a:t>34</a:t>
+              <a:t>33</a:t>
             </a:fld>
             <a:endParaRPr lang="en"/>
           </a:p>
@@ -37608,7 +37362,7 @@
 </p:sld>
 </file>
 
-<file path=ppt/slides/slide35.xml><?xml version="1.0" encoding="utf-8"?>
+<file path=ppt/slides/slide34.xml><?xml version="1.0" encoding="utf-8"?>
 <p:sld xmlns:a="http://schemas.openxmlformats.org/drawingml/2006/main" xmlns:r="http://schemas.openxmlformats.org/officeDocument/2006/relationships" xmlns:p="http://schemas.openxmlformats.org/presentationml/2006/main">
   <p:cSld>
     <p:spTree>
@@ -37807,7 +37561,7 @@
 </p:sld>
 </file>
 
-<file path=ppt/slides/slide36.xml><?xml version="1.0" encoding="utf-8"?>
+<file path=ppt/slides/slide35.xml><?xml version="1.0" encoding="utf-8"?>
 <p:sld xmlns:a="http://schemas.openxmlformats.org/drawingml/2006/main" xmlns:r="http://schemas.openxmlformats.org/officeDocument/2006/relationships" xmlns:p="http://schemas.openxmlformats.org/presentationml/2006/main">
   <p:cSld>
     <p:spTree>
@@ -37891,7 +37645,7 @@
             </a:pPr>
             <a:fld id="{00000000-1234-1234-1234-123412341234}" type="slidenum">
               <a:rPr lang="en" smtClean="0"/>
-              <a:t>36</a:t>
+              <a:t>35</a:t>
             </a:fld>
             <a:endParaRPr lang="en"/>
           </a:p>
@@ -38181,7 +37935,7 @@
 </p:sld>
 </file>
 
-<file path=ppt/slides/slide37.xml><?xml version="1.0" encoding="utf-8"?>
+<file path=ppt/slides/slide36.xml><?xml version="1.0" encoding="utf-8"?>
 <p:sld xmlns:a="http://schemas.openxmlformats.org/drawingml/2006/main" xmlns:r="http://schemas.openxmlformats.org/officeDocument/2006/relationships" xmlns:p="http://schemas.openxmlformats.org/presentationml/2006/main">
   <p:cSld>
     <p:spTree>
@@ -38360,7 +38114,7 @@
             </a:pPr>
             <a:fld id="{00000000-1234-1234-1234-123412341234}" type="slidenum">
               <a:rPr lang="en" smtClean="0"/>
-              <a:t>37</a:t>
+              <a:t>36</a:t>
             </a:fld>
             <a:endParaRPr lang="en"/>
           </a:p>
@@ -38457,7 +38211,7 @@
 </p:sld>
 </file>
 
-<file path=ppt/slides/slide38.xml><?xml version="1.0" encoding="utf-8"?>
+<file path=ppt/slides/slide37.xml><?xml version="1.0" encoding="utf-8"?>
 <p:sld xmlns:a="http://schemas.openxmlformats.org/drawingml/2006/main" xmlns:r="http://schemas.openxmlformats.org/officeDocument/2006/relationships" xmlns:p="http://schemas.openxmlformats.org/presentationml/2006/main">
   <p:cSld>
     <p:spTree>
@@ -38665,7 +38419,7 @@
             </a:pPr>
             <a:fld id="{00000000-1234-1234-1234-123412341234}" type="slidenum">
               <a:rPr lang="en" smtClean="0"/>
-              <a:t>38</a:t>
+              <a:t>37</a:t>
             </a:fld>
             <a:endParaRPr lang="en"/>
           </a:p>
@@ -38768,7 +38522,7 @@
 </p:sld>
 </file>
 
-<file path=ppt/slides/slide39.xml><?xml version="1.0" encoding="utf-8"?>
+<file path=ppt/slides/slide38.xml><?xml version="1.0" encoding="utf-8"?>
 <p:sld xmlns:a="http://schemas.openxmlformats.org/drawingml/2006/main" xmlns:r="http://schemas.openxmlformats.org/officeDocument/2006/relationships" xmlns:p="http://schemas.openxmlformats.org/presentationml/2006/main">
   <p:cSld>
     <p:spTree>
@@ -39861,7 +39615,7 @@
             </a:pPr>
             <a:fld id="{00000000-1234-1234-1234-123412341234}" type="slidenum">
               <a:rPr lang="en"/>
-              <a:t>39</a:t>
+              <a:t>38</a:t>
             </a:fld>
             <a:endParaRPr/>
           </a:p>
@@ -40599,10 +40353,10 @@
       </p:grpSpPr>
       <p:sp>
         <p:nvSpPr>
-          <p:cNvPr id="2" name="Slide Number Placeholder 1">
+          <p:cNvPr id="3" name="Slide Number Placeholder 2">
             <a:extLst>
               <a:ext uri="{FF2B5EF4-FFF2-40B4-BE49-F238E27FC236}">
-                <a16:creationId xmlns:a16="http://schemas.microsoft.com/office/drawing/2014/main" id="{7BA99EB8-EBE5-18BC-A7E1-E35299B14A26}"/>
+                <a16:creationId xmlns:a16="http://schemas.microsoft.com/office/drawing/2014/main" id="{50B01F57-5747-B600-27DA-9D62B74675AF}"/>
               </a:ext>
             </a:extLst>
           </p:cNvPr>
@@ -40610,7 +40364,7 @@
             <a:spLocks noGrp="1"/>
           </p:cNvSpPr>
           <p:nvPr>
-            <p:ph type="sldNum" idx="12"/>
+            <p:ph type="sldNum" idx="10"/>
           </p:nvPr>
         </p:nvSpPr>
         <p:spPr/>
@@ -40637,10 +40391,10 @@
       </p:sp>
       <p:sp>
         <p:nvSpPr>
-          <p:cNvPr id="5" name="Text Placeholder 2">
+          <p:cNvPr id="5" name="Title 1">
             <a:extLst>
               <a:ext uri="{FF2B5EF4-FFF2-40B4-BE49-F238E27FC236}">
-                <a16:creationId xmlns:a16="http://schemas.microsoft.com/office/drawing/2014/main" id="{5F8057C9-150D-5565-8F9A-9AE37B47C3E6}"/>
+                <a16:creationId xmlns:a16="http://schemas.microsoft.com/office/drawing/2014/main" id="{D7E0322B-8EC0-72DC-1D84-371C6404C29D}"/>
               </a:ext>
             </a:extLst>
           </p:cNvPr>
@@ -40651,7 +40405,294 @@
         </p:nvSpPr>
         <p:spPr>
           <a:xfrm>
-            <a:off x="1032933" y="1929436"/>
+            <a:off x="0" y="230072"/>
+            <a:ext cx="9143999" cy="645300"/>
+          </a:xfrm>
+          <a:prstGeom prst="rect">
+            <a:avLst/>
+          </a:prstGeom>
+          <a:noFill/>
+          <a:ln>
+            <a:noFill/>
+          </a:ln>
+        </p:spPr>
+        <p:txBody>
+          <a:bodyPr spcFirstLastPara="1" wrap="square" lIns="91425" tIns="91425" rIns="91425" bIns="91425" anchor="b" anchorCtr="0">
+            <a:noAutofit/>
+          </a:bodyPr>
+          <a:lstStyle>
+            <a:defPPr marR="0" lvl="0" algn="l" rtl="0">
+              <a:lnSpc>
+                <a:spcPct val="100000"/>
+              </a:lnSpc>
+              <a:spcBef>
+                <a:spcPts val="0"/>
+              </a:spcBef>
+              <a:spcAft>
+                <a:spcPts val="0"/>
+              </a:spcAft>
+            </a:defPPr>
+            <a:lvl1pPr marR="0" lvl="0" algn="l" rtl="0">
+              <a:lnSpc>
+                <a:spcPct val="100000"/>
+              </a:lnSpc>
+              <a:spcBef>
+                <a:spcPts val="0"/>
+              </a:spcBef>
+              <a:spcAft>
+                <a:spcPts val="0"/>
+              </a:spcAft>
+              <a:buClr>
+                <a:srgbClr val="19BBD5"/>
+              </a:buClr>
+              <a:buSzPts val="4000"/>
+              <a:buFont typeface="Nixie One"/>
+              <a:buNone/>
+              <a:defRPr sz="4000" b="0" i="0" u="none" strike="noStrike" cap="none">
+                <a:solidFill>
+                  <a:srgbClr val="19BBD5"/>
+                </a:solidFill>
+                <a:latin typeface="Nixie One"/>
+                <a:ea typeface="Nixie One"/>
+                <a:cs typeface="Nixie One"/>
+                <a:sym typeface="Nixie One"/>
+              </a:defRPr>
+            </a:lvl1pPr>
+            <a:lvl2pPr marR="0" lvl="1" algn="l" rtl="0">
+              <a:lnSpc>
+                <a:spcPct val="100000"/>
+              </a:lnSpc>
+              <a:spcBef>
+                <a:spcPts val="0"/>
+              </a:spcBef>
+              <a:spcAft>
+                <a:spcPts val="0"/>
+              </a:spcAft>
+              <a:buClr>
+                <a:srgbClr val="19BBD5"/>
+              </a:buClr>
+              <a:buSzPts val="4000"/>
+              <a:buFont typeface="Nixie One"/>
+              <a:buNone/>
+              <a:defRPr sz="4000" b="0" i="0" u="none" strike="noStrike" cap="none">
+                <a:solidFill>
+                  <a:srgbClr val="19BBD5"/>
+                </a:solidFill>
+                <a:latin typeface="Nixie One"/>
+                <a:ea typeface="Nixie One"/>
+                <a:cs typeface="Nixie One"/>
+                <a:sym typeface="Nixie One"/>
+              </a:defRPr>
+            </a:lvl2pPr>
+            <a:lvl3pPr marR="0" lvl="2" algn="l" rtl="0">
+              <a:lnSpc>
+                <a:spcPct val="100000"/>
+              </a:lnSpc>
+              <a:spcBef>
+                <a:spcPts val="0"/>
+              </a:spcBef>
+              <a:spcAft>
+                <a:spcPts val="0"/>
+              </a:spcAft>
+              <a:buClr>
+                <a:srgbClr val="19BBD5"/>
+              </a:buClr>
+              <a:buSzPts val="4000"/>
+              <a:buFont typeface="Nixie One"/>
+              <a:buNone/>
+              <a:defRPr sz="4000" b="0" i="0" u="none" strike="noStrike" cap="none">
+                <a:solidFill>
+                  <a:srgbClr val="19BBD5"/>
+                </a:solidFill>
+                <a:latin typeface="Nixie One"/>
+                <a:ea typeface="Nixie One"/>
+                <a:cs typeface="Nixie One"/>
+                <a:sym typeface="Nixie One"/>
+              </a:defRPr>
+            </a:lvl3pPr>
+            <a:lvl4pPr marR="0" lvl="3" algn="l" rtl="0">
+              <a:lnSpc>
+                <a:spcPct val="100000"/>
+              </a:lnSpc>
+              <a:spcBef>
+                <a:spcPts val="0"/>
+              </a:spcBef>
+              <a:spcAft>
+                <a:spcPts val="0"/>
+              </a:spcAft>
+              <a:buClr>
+                <a:srgbClr val="19BBD5"/>
+              </a:buClr>
+              <a:buSzPts val="4000"/>
+              <a:buFont typeface="Nixie One"/>
+              <a:buNone/>
+              <a:defRPr sz="4000" b="0" i="0" u="none" strike="noStrike" cap="none">
+                <a:solidFill>
+                  <a:srgbClr val="19BBD5"/>
+                </a:solidFill>
+                <a:latin typeface="Nixie One"/>
+                <a:ea typeface="Nixie One"/>
+                <a:cs typeface="Nixie One"/>
+                <a:sym typeface="Nixie One"/>
+              </a:defRPr>
+            </a:lvl4pPr>
+            <a:lvl5pPr marR="0" lvl="4" algn="l" rtl="0">
+              <a:lnSpc>
+                <a:spcPct val="100000"/>
+              </a:lnSpc>
+              <a:spcBef>
+                <a:spcPts val="0"/>
+              </a:spcBef>
+              <a:spcAft>
+                <a:spcPts val="0"/>
+              </a:spcAft>
+              <a:buClr>
+                <a:srgbClr val="19BBD5"/>
+              </a:buClr>
+              <a:buSzPts val="4000"/>
+              <a:buFont typeface="Nixie One"/>
+              <a:buNone/>
+              <a:defRPr sz="4000" b="0" i="0" u="none" strike="noStrike" cap="none">
+                <a:solidFill>
+                  <a:srgbClr val="19BBD5"/>
+                </a:solidFill>
+                <a:latin typeface="Nixie One"/>
+                <a:ea typeface="Nixie One"/>
+                <a:cs typeface="Nixie One"/>
+                <a:sym typeface="Nixie One"/>
+              </a:defRPr>
+            </a:lvl5pPr>
+            <a:lvl6pPr marR="0" lvl="5" algn="l" rtl="0">
+              <a:lnSpc>
+                <a:spcPct val="100000"/>
+              </a:lnSpc>
+              <a:spcBef>
+                <a:spcPts val="0"/>
+              </a:spcBef>
+              <a:spcAft>
+                <a:spcPts val="0"/>
+              </a:spcAft>
+              <a:buClr>
+                <a:srgbClr val="19BBD5"/>
+              </a:buClr>
+              <a:buSzPts val="4000"/>
+              <a:buFont typeface="Nixie One"/>
+              <a:buNone/>
+              <a:defRPr sz="4000" b="0" i="0" u="none" strike="noStrike" cap="none">
+                <a:solidFill>
+                  <a:srgbClr val="19BBD5"/>
+                </a:solidFill>
+                <a:latin typeface="Nixie One"/>
+                <a:ea typeface="Nixie One"/>
+                <a:cs typeface="Nixie One"/>
+                <a:sym typeface="Nixie One"/>
+              </a:defRPr>
+            </a:lvl6pPr>
+            <a:lvl7pPr marR="0" lvl="6" algn="l" rtl="0">
+              <a:lnSpc>
+                <a:spcPct val="100000"/>
+              </a:lnSpc>
+              <a:spcBef>
+                <a:spcPts val="0"/>
+              </a:spcBef>
+              <a:spcAft>
+                <a:spcPts val="0"/>
+              </a:spcAft>
+              <a:buClr>
+                <a:srgbClr val="19BBD5"/>
+              </a:buClr>
+              <a:buSzPts val="4000"/>
+              <a:buFont typeface="Nixie One"/>
+              <a:buNone/>
+              <a:defRPr sz="4000" b="0" i="0" u="none" strike="noStrike" cap="none">
+                <a:solidFill>
+                  <a:srgbClr val="19BBD5"/>
+                </a:solidFill>
+                <a:latin typeface="Nixie One"/>
+                <a:ea typeface="Nixie One"/>
+                <a:cs typeface="Nixie One"/>
+                <a:sym typeface="Nixie One"/>
+              </a:defRPr>
+            </a:lvl7pPr>
+            <a:lvl8pPr marR="0" lvl="7" algn="l" rtl="0">
+              <a:lnSpc>
+                <a:spcPct val="100000"/>
+              </a:lnSpc>
+              <a:spcBef>
+                <a:spcPts val="0"/>
+              </a:spcBef>
+              <a:spcAft>
+                <a:spcPts val="0"/>
+              </a:spcAft>
+              <a:buClr>
+                <a:srgbClr val="19BBD5"/>
+              </a:buClr>
+              <a:buSzPts val="4000"/>
+              <a:buFont typeface="Nixie One"/>
+              <a:buNone/>
+              <a:defRPr sz="4000" b="0" i="0" u="none" strike="noStrike" cap="none">
+                <a:solidFill>
+                  <a:srgbClr val="19BBD5"/>
+                </a:solidFill>
+                <a:latin typeface="Nixie One"/>
+                <a:ea typeface="Nixie One"/>
+                <a:cs typeface="Nixie One"/>
+                <a:sym typeface="Nixie One"/>
+              </a:defRPr>
+            </a:lvl8pPr>
+            <a:lvl9pPr marR="0" lvl="8" algn="l" rtl="0">
+              <a:lnSpc>
+                <a:spcPct val="100000"/>
+              </a:lnSpc>
+              <a:spcBef>
+                <a:spcPts val="0"/>
+              </a:spcBef>
+              <a:spcAft>
+                <a:spcPts val="0"/>
+              </a:spcAft>
+              <a:buClr>
+                <a:srgbClr val="19BBD5"/>
+              </a:buClr>
+              <a:buSzPts val="4000"/>
+              <a:buFont typeface="Nixie One"/>
+              <a:buNone/>
+              <a:defRPr sz="4000" b="0" i="0" u="none" strike="noStrike" cap="none">
+                <a:solidFill>
+                  <a:srgbClr val="19BBD5"/>
+                </a:solidFill>
+                <a:latin typeface="Nixie One"/>
+                <a:ea typeface="Nixie One"/>
+                <a:cs typeface="Nixie One"/>
+                <a:sym typeface="Nixie One"/>
+              </a:defRPr>
+            </a:lvl9pPr>
+          </a:lstStyle>
+          <a:p>
+            <a:pPr algn="ctr"/>
+            <a:r>
+              <a:rPr lang="en-NP" dirty="0"/>
+              <a:t>System Analysis vs System Design</a:t>
+            </a:r>
+          </a:p>
+        </p:txBody>
+      </p:sp>
+      <p:sp>
+        <p:nvSpPr>
+          <p:cNvPr id="6" name="Text Placeholder 2">
+            <a:extLst>
+              <a:ext uri="{FF2B5EF4-FFF2-40B4-BE49-F238E27FC236}">
+                <a16:creationId xmlns:a16="http://schemas.microsoft.com/office/drawing/2014/main" id="{39D29563-FB47-6017-66D5-7A260FB599D0}"/>
+              </a:ext>
+            </a:extLst>
+          </p:cNvPr>
+          <p:cNvSpPr txBox="1">
+            <a:spLocks/>
+          </p:cNvSpPr>
+          <p:nvPr/>
+        </p:nvSpPr>
+        <p:spPr>
+          <a:xfrm>
+            <a:off x="1032932" y="1402404"/>
             <a:ext cx="7078133" cy="2856089"/>
           </a:xfrm>
           <a:prstGeom prst="rect">
@@ -40958,10 +40999,10 @@
       </p:sp>
       <p:sp>
         <p:nvSpPr>
-          <p:cNvPr id="6" name="Title 1">
+          <p:cNvPr id="7" name="Text Placeholder 2">
             <a:extLst>
               <a:ext uri="{FF2B5EF4-FFF2-40B4-BE49-F238E27FC236}">
-                <a16:creationId xmlns:a16="http://schemas.microsoft.com/office/drawing/2014/main" id="{1E2581D2-7134-C1C5-41D0-BD5EBB668544}"/>
+                <a16:creationId xmlns:a16="http://schemas.microsoft.com/office/drawing/2014/main" id="{8C3C7ED3-4C44-089D-BDCF-488CBB67F402}"/>
               </a:ext>
             </a:extLst>
           </p:cNvPr>
@@ -40972,392 +41013,7 @@
         </p:nvSpPr>
         <p:spPr>
           <a:xfrm>
-            <a:off x="0" y="230072"/>
-            <a:ext cx="9143999" cy="645300"/>
-          </a:xfrm>
-          <a:prstGeom prst="rect">
-            <a:avLst/>
-          </a:prstGeom>
-          <a:noFill/>
-          <a:ln>
-            <a:noFill/>
-          </a:ln>
-        </p:spPr>
-        <p:txBody>
-          <a:bodyPr spcFirstLastPara="1" wrap="square" lIns="91425" tIns="91425" rIns="91425" bIns="91425" anchor="b" anchorCtr="0">
-            <a:noAutofit/>
-          </a:bodyPr>
-          <a:lstStyle>
-            <a:defPPr marR="0" lvl="0" algn="l" rtl="0">
-              <a:lnSpc>
-                <a:spcPct val="100000"/>
-              </a:lnSpc>
-              <a:spcBef>
-                <a:spcPts val="0"/>
-              </a:spcBef>
-              <a:spcAft>
-                <a:spcPts val="0"/>
-              </a:spcAft>
-            </a:defPPr>
-            <a:lvl1pPr marR="0" lvl="0" algn="l" rtl="0">
-              <a:lnSpc>
-                <a:spcPct val="100000"/>
-              </a:lnSpc>
-              <a:spcBef>
-                <a:spcPts val="0"/>
-              </a:spcBef>
-              <a:spcAft>
-                <a:spcPts val="0"/>
-              </a:spcAft>
-              <a:buClr>
-                <a:srgbClr val="19BBD5"/>
-              </a:buClr>
-              <a:buSzPts val="4000"/>
-              <a:buFont typeface="Nixie One"/>
-              <a:buNone/>
-              <a:defRPr sz="4000" b="0" i="0" u="none" strike="noStrike" cap="none">
-                <a:solidFill>
-                  <a:srgbClr val="19BBD5"/>
-                </a:solidFill>
-                <a:latin typeface="Nixie One"/>
-                <a:ea typeface="Nixie One"/>
-                <a:cs typeface="Nixie One"/>
-                <a:sym typeface="Nixie One"/>
-              </a:defRPr>
-            </a:lvl1pPr>
-            <a:lvl2pPr marR="0" lvl="1" algn="l" rtl="0">
-              <a:lnSpc>
-                <a:spcPct val="100000"/>
-              </a:lnSpc>
-              <a:spcBef>
-                <a:spcPts val="0"/>
-              </a:spcBef>
-              <a:spcAft>
-                <a:spcPts val="0"/>
-              </a:spcAft>
-              <a:buClr>
-                <a:srgbClr val="19BBD5"/>
-              </a:buClr>
-              <a:buSzPts val="4000"/>
-              <a:buFont typeface="Nixie One"/>
-              <a:buNone/>
-              <a:defRPr sz="4000" b="0" i="0" u="none" strike="noStrike" cap="none">
-                <a:solidFill>
-                  <a:srgbClr val="19BBD5"/>
-                </a:solidFill>
-                <a:latin typeface="Nixie One"/>
-                <a:ea typeface="Nixie One"/>
-                <a:cs typeface="Nixie One"/>
-                <a:sym typeface="Nixie One"/>
-              </a:defRPr>
-            </a:lvl2pPr>
-            <a:lvl3pPr marR="0" lvl="2" algn="l" rtl="0">
-              <a:lnSpc>
-                <a:spcPct val="100000"/>
-              </a:lnSpc>
-              <a:spcBef>
-                <a:spcPts val="0"/>
-              </a:spcBef>
-              <a:spcAft>
-                <a:spcPts val="0"/>
-              </a:spcAft>
-              <a:buClr>
-                <a:srgbClr val="19BBD5"/>
-              </a:buClr>
-              <a:buSzPts val="4000"/>
-              <a:buFont typeface="Nixie One"/>
-              <a:buNone/>
-              <a:defRPr sz="4000" b="0" i="0" u="none" strike="noStrike" cap="none">
-                <a:solidFill>
-                  <a:srgbClr val="19BBD5"/>
-                </a:solidFill>
-                <a:latin typeface="Nixie One"/>
-                <a:ea typeface="Nixie One"/>
-                <a:cs typeface="Nixie One"/>
-                <a:sym typeface="Nixie One"/>
-              </a:defRPr>
-            </a:lvl3pPr>
-            <a:lvl4pPr marR="0" lvl="3" algn="l" rtl="0">
-              <a:lnSpc>
-                <a:spcPct val="100000"/>
-              </a:lnSpc>
-              <a:spcBef>
-                <a:spcPts val="0"/>
-              </a:spcBef>
-              <a:spcAft>
-                <a:spcPts val="0"/>
-              </a:spcAft>
-              <a:buClr>
-                <a:srgbClr val="19BBD5"/>
-              </a:buClr>
-              <a:buSzPts val="4000"/>
-              <a:buFont typeface="Nixie One"/>
-              <a:buNone/>
-              <a:defRPr sz="4000" b="0" i="0" u="none" strike="noStrike" cap="none">
-                <a:solidFill>
-                  <a:srgbClr val="19BBD5"/>
-                </a:solidFill>
-                <a:latin typeface="Nixie One"/>
-                <a:ea typeface="Nixie One"/>
-                <a:cs typeface="Nixie One"/>
-                <a:sym typeface="Nixie One"/>
-              </a:defRPr>
-            </a:lvl4pPr>
-            <a:lvl5pPr marR="0" lvl="4" algn="l" rtl="0">
-              <a:lnSpc>
-                <a:spcPct val="100000"/>
-              </a:lnSpc>
-              <a:spcBef>
-                <a:spcPts val="0"/>
-              </a:spcBef>
-              <a:spcAft>
-                <a:spcPts val="0"/>
-              </a:spcAft>
-              <a:buClr>
-                <a:srgbClr val="19BBD5"/>
-              </a:buClr>
-              <a:buSzPts val="4000"/>
-              <a:buFont typeface="Nixie One"/>
-              <a:buNone/>
-              <a:defRPr sz="4000" b="0" i="0" u="none" strike="noStrike" cap="none">
-                <a:solidFill>
-                  <a:srgbClr val="19BBD5"/>
-                </a:solidFill>
-                <a:latin typeface="Nixie One"/>
-                <a:ea typeface="Nixie One"/>
-                <a:cs typeface="Nixie One"/>
-                <a:sym typeface="Nixie One"/>
-              </a:defRPr>
-            </a:lvl5pPr>
-            <a:lvl6pPr marR="0" lvl="5" algn="l" rtl="0">
-              <a:lnSpc>
-                <a:spcPct val="100000"/>
-              </a:lnSpc>
-              <a:spcBef>
-                <a:spcPts val="0"/>
-              </a:spcBef>
-              <a:spcAft>
-                <a:spcPts val="0"/>
-              </a:spcAft>
-              <a:buClr>
-                <a:srgbClr val="19BBD5"/>
-              </a:buClr>
-              <a:buSzPts val="4000"/>
-              <a:buFont typeface="Nixie One"/>
-              <a:buNone/>
-              <a:defRPr sz="4000" b="0" i="0" u="none" strike="noStrike" cap="none">
-                <a:solidFill>
-                  <a:srgbClr val="19BBD5"/>
-                </a:solidFill>
-                <a:latin typeface="Nixie One"/>
-                <a:ea typeface="Nixie One"/>
-                <a:cs typeface="Nixie One"/>
-                <a:sym typeface="Nixie One"/>
-              </a:defRPr>
-            </a:lvl6pPr>
-            <a:lvl7pPr marR="0" lvl="6" algn="l" rtl="0">
-              <a:lnSpc>
-                <a:spcPct val="100000"/>
-              </a:lnSpc>
-              <a:spcBef>
-                <a:spcPts val="0"/>
-              </a:spcBef>
-              <a:spcAft>
-                <a:spcPts val="0"/>
-              </a:spcAft>
-              <a:buClr>
-                <a:srgbClr val="19BBD5"/>
-              </a:buClr>
-              <a:buSzPts val="4000"/>
-              <a:buFont typeface="Nixie One"/>
-              <a:buNone/>
-              <a:defRPr sz="4000" b="0" i="0" u="none" strike="noStrike" cap="none">
-                <a:solidFill>
-                  <a:srgbClr val="19BBD5"/>
-                </a:solidFill>
-                <a:latin typeface="Nixie One"/>
-                <a:ea typeface="Nixie One"/>
-                <a:cs typeface="Nixie One"/>
-                <a:sym typeface="Nixie One"/>
-              </a:defRPr>
-            </a:lvl7pPr>
-            <a:lvl8pPr marR="0" lvl="7" algn="l" rtl="0">
-              <a:lnSpc>
-                <a:spcPct val="100000"/>
-              </a:lnSpc>
-              <a:spcBef>
-                <a:spcPts val="0"/>
-              </a:spcBef>
-              <a:spcAft>
-                <a:spcPts val="0"/>
-              </a:spcAft>
-              <a:buClr>
-                <a:srgbClr val="19BBD5"/>
-              </a:buClr>
-              <a:buSzPts val="4000"/>
-              <a:buFont typeface="Nixie One"/>
-              <a:buNone/>
-              <a:defRPr sz="4000" b="0" i="0" u="none" strike="noStrike" cap="none">
-                <a:solidFill>
-                  <a:srgbClr val="19BBD5"/>
-                </a:solidFill>
-                <a:latin typeface="Nixie One"/>
-                <a:ea typeface="Nixie One"/>
-                <a:cs typeface="Nixie One"/>
-                <a:sym typeface="Nixie One"/>
-              </a:defRPr>
-            </a:lvl8pPr>
-            <a:lvl9pPr marR="0" lvl="8" algn="l" rtl="0">
-              <a:lnSpc>
-                <a:spcPct val="100000"/>
-              </a:lnSpc>
-              <a:spcBef>
-                <a:spcPts val="0"/>
-              </a:spcBef>
-              <a:spcAft>
-                <a:spcPts val="0"/>
-              </a:spcAft>
-              <a:buClr>
-                <a:srgbClr val="19BBD5"/>
-              </a:buClr>
-              <a:buSzPts val="4000"/>
-              <a:buFont typeface="Nixie One"/>
-              <a:buNone/>
-              <a:defRPr sz="4000" b="0" i="0" u="none" strike="noStrike" cap="none">
-                <a:solidFill>
-                  <a:srgbClr val="19BBD5"/>
-                </a:solidFill>
-                <a:latin typeface="Nixie One"/>
-                <a:ea typeface="Nixie One"/>
-                <a:cs typeface="Nixie One"/>
-                <a:sym typeface="Nixie One"/>
-              </a:defRPr>
-            </a:lvl9pPr>
-          </a:lstStyle>
-          <a:p>
-            <a:pPr algn="ctr"/>
-            <a:r>
-              <a:rPr lang="en-NP" dirty="0"/>
-              <a:t>System Analysis</a:t>
-            </a:r>
-          </a:p>
-        </p:txBody>
-      </p:sp>
-      <p:pic>
-        <p:nvPicPr>
-          <p:cNvPr id="3" name="Picture 2">
-            <a:extLst>
-              <a:ext uri="{FF2B5EF4-FFF2-40B4-BE49-F238E27FC236}">
-                <a16:creationId xmlns:a16="http://schemas.microsoft.com/office/drawing/2014/main" id="{55DB3277-9889-21BD-EB95-05EA899915A8}"/>
-              </a:ext>
-            </a:extLst>
-          </p:cNvPr>
-          <p:cNvPicPr>
-            <a:picLocks noChangeAspect="1"/>
-          </p:cNvPicPr>
-          <p:nvPr/>
-        </p:nvPicPr>
-        <p:blipFill>
-          <a:blip r:embed="rId2"/>
-          <a:stretch>
-            <a:fillRect/>
-          </a:stretch>
-        </p:blipFill>
-        <p:spPr>
-          <a:xfrm>
-            <a:off x="6254756" y="2871642"/>
-            <a:ext cx="2694546" cy="1913883"/>
-          </a:xfrm>
-          <a:prstGeom prst="rect">
-            <a:avLst/>
-          </a:prstGeom>
-        </p:spPr>
-      </p:pic>
-    </p:spTree>
-    <p:extLst>
-      <p:ext uri="{BB962C8B-B14F-4D97-AF65-F5344CB8AC3E}">
-        <p14:creationId xmlns:p14="http://schemas.microsoft.com/office/powerpoint/2010/main" val="3034489376"/>
-      </p:ext>
-    </p:extLst>
-  </p:cSld>
-  <p:clrMapOvr>
-    <a:masterClrMapping/>
-  </p:clrMapOvr>
-</p:sld>
-</file>
-
-<file path=ppt/slides/slide6.xml><?xml version="1.0" encoding="utf-8"?>
-<p:sld xmlns:a="http://schemas.openxmlformats.org/drawingml/2006/main" xmlns:r="http://schemas.openxmlformats.org/officeDocument/2006/relationships" xmlns:p="http://schemas.openxmlformats.org/presentationml/2006/main">
-  <p:cSld>
-    <p:spTree>
-      <p:nvGrpSpPr>
-        <p:cNvPr id="1" name=""/>
-        <p:cNvGrpSpPr/>
-        <p:nvPr/>
-      </p:nvGrpSpPr>
-      <p:grpSpPr>
-        <a:xfrm>
-          <a:off x="0" y="0"/>
-          <a:ext cx="0" cy="0"/>
-          <a:chOff x="0" y="0"/>
-          <a:chExt cx="0" cy="0"/>
-        </a:xfrm>
-      </p:grpSpPr>
-      <p:sp>
-        <p:nvSpPr>
-          <p:cNvPr id="2" name="Slide Number Placeholder 1">
-            <a:extLst>
-              <a:ext uri="{FF2B5EF4-FFF2-40B4-BE49-F238E27FC236}">
-                <a16:creationId xmlns:a16="http://schemas.microsoft.com/office/drawing/2014/main" id="{7BA99EB8-EBE5-18BC-A7E1-E35299B14A26}"/>
-              </a:ext>
-            </a:extLst>
-          </p:cNvPr>
-          <p:cNvSpPr>
-            <a:spLocks noGrp="1"/>
-          </p:cNvSpPr>
-          <p:nvPr>
-            <p:ph type="sldNum" idx="12"/>
-          </p:nvPr>
-        </p:nvSpPr>
-        <p:spPr/>
-        <p:txBody>
-          <a:bodyPr/>
-          <a:lstStyle/>
-          <a:p>
-            <a:pPr marL="0" lvl="0" indent="0" algn="l" rtl="0">
-              <a:spcBef>
-                <a:spcPts val="0"/>
-              </a:spcBef>
-              <a:spcAft>
-                <a:spcPts val="0"/>
-              </a:spcAft>
-              <a:buNone/>
-            </a:pPr>
-            <a:fld id="{00000000-1234-1234-1234-123412341234}" type="slidenum">
-              <a:rPr lang="en" smtClean="0"/>
-              <a:t>6</a:t>
-            </a:fld>
-            <a:endParaRPr lang="en"/>
-          </a:p>
-        </p:txBody>
-      </p:sp>
-      <p:sp>
-        <p:nvSpPr>
-          <p:cNvPr id="5" name="Text Placeholder 2">
-            <a:extLst>
-              <a:ext uri="{FF2B5EF4-FFF2-40B4-BE49-F238E27FC236}">
-                <a16:creationId xmlns:a16="http://schemas.microsoft.com/office/drawing/2014/main" id="{5F8057C9-150D-5565-8F9A-9AE37B47C3E6}"/>
-              </a:ext>
-            </a:extLst>
-          </p:cNvPr>
-          <p:cNvSpPr txBox="1">
-            <a:spLocks/>
-          </p:cNvSpPr>
-          <p:nvPr/>
-        </p:nvSpPr>
-        <p:spPr>
-          <a:xfrm>
-            <a:off x="1777960" y="1850414"/>
+            <a:off x="1032932" y="3186537"/>
             <a:ext cx="7078133" cy="2856089"/>
           </a:xfrm>
           <a:prstGeom prst="rect">
@@ -41673,10 +41329,10 @@
       </p:sp>
       <p:sp>
         <p:nvSpPr>
-          <p:cNvPr id="6" name="Title 1">
+          <p:cNvPr id="8" name="Title 1">
             <a:extLst>
               <a:ext uri="{FF2B5EF4-FFF2-40B4-BE49-F238E27FC236}">
-                <a16:creationId xmlns:a16="http://schemas.microsoft.com/office/drawing/2014/main" id="{1E2581D2-7134-C1C5-41D0-BD5EBB668544}"/>
+                <a16:creationId xmlns:a16="http://schemas.microsoft.com/office/drawing/2014/main" id="{1E39734D-F061-E425-0A0E-2E78CD93DC6D}"/>
               </a:ext>
             </a:extLst>
           </p:cNvPr>
@@ -41687,8 +41343,8 @@
         </p:nvSpPr>
         <p:spPr>
           <a:xfrm>
-            <a:off x="13557" y="230072"/>
-            <a:ext cx="9130443" cy="645300"/>
+            <a:off x="13557" y="1015458"/>
+            <a:ext cx="9143999" cy="645300"/>
           </a:xfrm>
           <a:prstGeom prst="rect">
             <a:avLst/>
@@ -41952,56 +41608,316 @@
           <a:p>
             <a:pPr algn="ctr"/>
             <a:r>
-              <a:rPr lang="en-NP" dirty="0"/>
+              <a:rPr lang="en-NP" sz="2400" dirty="0"/>
+              <a:t>System Analysis</a:t>
+            </a:r>
+          </a:p>
+        </p:txBody>
+      </p:sp>
+      <p:sp>
+        <p:nvSpPr>
+          <p:cNvPr id="9" name="Title 1">
+            <a:extLst>
+              <a:ext uri="{FF2B5EF4-FFF2-40B4-BE49-F238E27FC236}">
+                <a16:creationId xmlns:a16="http://schemas.microsoft.com/office/drawing/2014/main" id="{0B4EBC36-4BAB-CFF8-4C36-8E21FEAED17D}"/>
+              </a:ext>
+            </a:extLst>
+          </p:cNvPr>
+          <p:cNvSpPr txBox="1">
+            <a:spLocks/>
+          </p:cNvSpPr>
+          <p:nvPr/>
+        </p:nvSpPr>
+        <p:spPr>
+          <a:xfrm>
+            <a:off x="13557" y="2830448"/>
+            <a:ext cx="9143999" cy="645300"/>
+          </a:xfrm>
+          <a:prstGeom prst="rect">
+            <a:avLst/>
+          </a:prstGeom>
+          <a:noFill/>
+          <a:ln>
+            <a:noFill/>
+          </a:ln>
+        </p:spPr>
+        <p:txBody>
+          <a:bodyPr spcFirstLastPara="1" wrap="square" lIns="91425" tIns="91425" rIns="91425" bIns="91425" anchor="b" anchorCtr="0">
+            <a:noAutofit/>
+          </a:bodyPr>
+          <a:lstStyle>
+            <a:defPPr marR="0" lvl="0" algn="l" rtl="0">
+              <a:lnSpc>
+                <a:spcPct val="100000"/>
+              </a:lnSpc>
+              <a:spcBef>
+                <a:spcPts val="0"/>
+              </a:spcBef>
+              <a:spcAft>
+                <a:spcPts val="0"/>
+              </a:spcAft>
+            </a:defPPr>
+            <a:lvl1pPr marR="0" lvl="0" algn="l" rtl="0">
+              <a:lnSpc>
+                <a:spcPct val="100000"/>
+              </a:lnSpc>
+              <a:spcBef>
+                <a:spcPts val="0"/>
+              </a:spcBef>
+              <a:spcAft>
+                <a:spcPts val="0"/>
+              </a:spcAft>
+              <a:buClr>
+                <a:srgbClr val="19BBD5"/>
+              </a:buClr>
+              <a:buSzPts val="4000"/>
+              <a:buFont typeface="Nixie One"/>
+              <a:buNone/>
+              <a:defRPr sz="4000" b="0" i="0" u="none" strike="noStrike" cap="none">
+                <a:solidFill>
+                  <a:srgbClr val="19BBD5"/>
+                </a:solidFill>
+                <a:latin typeface="Nixie One"/>
+                <a:ea typeface="Nixie One"/>
+                <a:cs typeface="Nixie One"/>
+                <a:sym typeface="Nixie One"/>
+              </a:defRPr>
+            </a:lvl1pPr>
+            <a:lvl2pPr marR="0" lvl="1" algn="l" rtl="0">
+              <a:lnSpc>
+                <a:spcPct val="100000"/>
+              </a:lnSpc>
+              <a:spcBef>
+                <a:spcPts val="0"/>
+              </a:spcBef>
+              <a:spcAft>
+                <a:spcPts val="0"/>
+              </a:spcAft>
+              <a:buClr>
+                <a:srgbClr val="19BBD5"/>
+              </a:buClr>
+              <a:buSzPts val="4000"/>
+              <a:buFont typeface="Nixie One"/>
+              <a:buNone/>
+              <a:defRPr sz="4000" b="0" i="0" u="none" strike="noStrike" cap="none">
+                <a:solidFill>
+                  <a:srgbClr val="19BBD5"/>
+                </a:solidFill>
+                <a:latin typeface="Nixie One"/>
+                <a:ea typeface="Nixie One"/>
+                <a:cs typeface="Nixie One"/>
+                <a:sym typeface="Nixie One"/>
+              </a:defRPr>
+            </a:lvl2pPr>
+            <a:lvl3pPr marR="0" lvl="2" algn="l" rtl="0">
+              <a:lnSpc>
+                <a:spcPct val="100000"/>
+              </a:lnSpc>
+              <a:spcBef>
+                <a:spcPts val="0"/>
+              </a:spcBef>
+              <a:spcAft>
+                <a:spcPts val="0"/>
+              </a:spcAft>
+              <a:buClr>
+                <a:srgbClr val="19BBD5"/>
+              </a:buClr>
+              <a:buSzPts val="4000"/>
+              <a:buFont typeface="Nixie One"/>
+              <a:buNone/>
+              <a:defRPr sz="4000" b="0" i="0" u="none" strike="noStrike" cap="none">
+                <a:solidFill>
+                  <a:srgbClr val="19BBD5"/>
+                </a:solidFill>
+                <a:latin typeface="Nixie One"/>
+                <a:ea typeface="Nixie One"/>
+                <a:cs typeface="Nixie One"/>
+                <a:sym typeface="Nixie One"/>
+              </a:defRPr>
+            </a:lvl3pPr>
+            <a:lvl4pPr marR="0" lvl="3" algn="l" rtl="0">
+              <a:lnSpc>
+                <a:spcPct val="100000"/>
+              </a:lnSpc>
+              <a:spcBef>
+                <a:spcPts val="0"/>
+              </a:spcBef>
+              <a:spcAft>
+                <a:spcPts val="0"/>
+              </a:spcAft>
+              <a:buClr>
+                <a:srgbClr val="19BBD5"/>
+              </a:buClr>
+              <a:buSzPts val="4000"/>
+              <a:buFont typeface="Nixie One"/>
+              <a:buNone/>
+              <a:defRPr sz="4000" b="0" i="0" u="none" strike="noStrike" cap="none">
+                <a:solidFill>
+                  <a:srgbClr val="19BBD5"/>
+                </a:solidFill>
+                <a:latin typeface="Nixie One"/>
+                <a:ea typeface="Nixie One"/>
+                <a:cs typeface="Nixie One"/>
+                <a:sym typeface="Nixie One"/>
+              </a:defRPr>
+            </a:lvl4pPr>
+            <a:lvl5pPr marR="0" lvl="4" algn="l" rtl="0">
+              <a:lnSpc>
+                <a:spcPct val="100000"/>
+              </a:lnSpc>
+              <a:spcBef>
+                <a:spcPts val="0"/>
+              </a:spcBef>
+              <a:spcAft>
+                <a:spcPts val="0"/>
+              </a:spcAft>
+              <a:buClr>
+                <a:srgbClr val="19BBD5"/>
+              </a:buClr>
+              <a:buSzPts val="4000"/>
+              <a:buFont typeface="Nixie One"/>
+              <a:buNone/>
+              <a:defRPr sz="4000" b="0" i="0" u="none" strike="noStrike" cap="none">
+                <a:solidFill>
+                  <a:srgbClr val="19BBD5"/>
+                </a:solidFill>
+                <a:latin typeface="Nixie One"/>
+                <a:ea typeface="Nixie One"/>
+                <a:cs typeface="Nixie One"/>
+                <a:sym typeface="Nixie One"/>
+              </a:defRPr>
+            </a:lvl5pPr>
+            <a:lvl6pPr marR="0" lvl="5" algn="l" rtl="0">
+              <a:lnSpc>
+                <a:spcPct val="100000"/>
+              </a:lnSpc>
+              <a:spcBef>
+                <a:spcPts val="0"/>
+              </a:spcBef>
+              <a:spcAft>
+                <a:spcPts val="0"/>
+              </a:spcAft>
+              <a:buClr>
+                <a:srgbClr val="19BBD5"/>
+              </a:buClr>
+              <a:buSzPts val="4000"/>
+              <a:buFont typeface="Nixie One"/>
+              <a:buNone/>
+              <a:defRPr sz="4000" b="0" i="0" u="none" strike="noStrike" cap="none">
+                <a:solidFill>
+                  <a:srgbClr val="19BBD5"/>
+                </a:solidFill>
+                <a:latin typeface="Nixie One"/>
+                <a:ea typeface="Nixie One"/>
+                <a:cs typeface="Nixie One"/>
+                <a:sym typeface="Nixie One"/>
+              </a:defRPr>
+            </a:lvl6pPr>
+            <a:lvl7pPr marR="0" lvl="6" algn="l" rtl="0">
+              <a:lnSpc>
+                <a:spcPct val="100000"/>
+              </a:lnSpc>
+              <a:spcBef>
+                <a:spcPts val="0"/>
+              </a:spcBef>
+              <a:spcAft>
+                <a:spcPts val="0"/>
+              </a:spcAft>
+              <a:buClr>
+                <a:srgbClr val="19BBD5"/>
+              </a:buClr>
+              <a:buSzPts val="4000"/>
+              <a:buFont typeface="Nixie One"/>
+              <a:buNone/>
+              <a:defRPr sz="4000" b="0" i="0" u="none" strike="noStrike" cap="none">
+                <a:solidFill>
+                  <a:srgbClr val="19BBD5"/>
+                </a:solidFill>
+                <a:latin typeface="Nixie One"/>
+                <a:ea typeface="Nixie One"/>
+                <a:cs typeface="Nixie One"/>
+                <a:sym typeface="Nixie One"/>
+              </a:defRPr>
+            </a:lvl7pPr>
+            <a:lvl8pPr marR="0" lvl="7" algn="l" rtl="0">
+              <a:lnSpc>
+                <a:spcPct val="100000"/>
+              </a:lnSpc>
+              <a:spcBef>
+                <a:spcPts val="0"/>
+              </a:spcBef>
+              <a:spcAft>
+                <a:spcPts val="0"/>
+              </a:spcAft>
+              <a:buClr>
+                <a:srgbClr val="19BBD5"/>
+              </a:buClr>
+              <a:buSzPts val="4000"/>
+              <a:buFont typeface="Nixie One"/>
+              <a:buNone/>
+              <a:defRPr sz="4000" b="0" i="0" u="none" strike="noStrike" cap="none">
+                <a:solidFill>
+                  <a:srgbClr val="19BBD5"/>
+                </a:solidFill>
+                <a:latin typeface="Nixie One"/>
+                <a:ea typeface="Nixie One"/>
+                <a:cs typeface="Nixie One"/>
+                <a:sym typeface="Nixie One"/>
+              </a:defRPr>
+            </a:lvl8pPr>
+            <a:lvl9pPr marR="0" lvl="8" algn="l" rtl="0">
+              <a:lnSpc>
+                <a:spcPct val="100000"/>
+              </a:lnSpc>
+              <a:spcBef>
+                <a:spcPts val="0"/>
+              </a:spcBef>
+              <a:spcAft>
+                <a:spcPts val="0"/>
+              </a:spcAft>
+              <a:buClr>
+                <a:srgbClr val="19BBD5"/>
+              </a:buClr>
+              <a:buSzPts val="4000"/>
+              <a:buFont typeface="Nixie One"/>
+              <a:buNone/>
+              <a:defRPr sz="4000" b="0" i="0" u="none" strike="noStrike" cap="none">
+                <a:solidFill>
+                  <a:srgbClr val="19BBD5"/>
+                </a:solidFill>
+                <a:latin typeface="Nixie One"/>
+                <a:ea typeface="Nixie One"/>
+                <a:cs typeface="Nixie One"/>
+                <a:sym typeface="Nixie One"/>
+              </a:defRPr>
+            </a:lvl9pPr>
+          </a:lstStyle>
+          <a:p>
+            <a:pPr algn="ctr"/>
+            <a:r>
+              <a:rPr lang="en-NP" sz="2400" dirty="0"/>
               <a:t>System Design</a:t>
             </a:r>
           </a:p>
         </p:txBody>
       </p:sp>
-      <p:pic>
-        <p:nvPicPr>
-          <p:cNvPr id="3" name="Picture 2">
-            <a:extLst>
-              <a:ext uri="{FF2B5EF4-FFF2-40B4-BE49-F238E27FC236}">
-                <a16:creationId xmlns:a16="http://schemas.microsoft.com/office/drawing/2014/main" id="{1527020E-41B2-B8FD-8BB1-8908C3714CBE}"/>
-              </a:ext>
-            </a:extLst>
-          </p:cNvPr>
-          <p:cNvPicPr>
-            <a:picLocks noChangeAspect="1"/>
-          </p:cNvPicPr>
-          <p:nvPr/>
-        </p:nvPicPr>
-        <p:blipFill>
-          <a:blip r:embed="rId2"/>
-          <a:stretch>
-            <a:fillRect/>
-          </a:stretch>
-        </p:blipFill>
-        <p:spPr>
-          <a:xfrm>
-            <a:off x="287907" y="2291644"/>
-            <a:ext cx="2110130" cy="2672831"/>
-          </a:xfrm>
-          <a:prstGeom prst="rect">
-            <a:avLst/>
-          </a:prstGeom>
-        </p:spPr>
-      </p:pic>
     </p:spTree>
     <p:extLst>
       <p:ext uri="{BB962C8B-B14F-4D97-AF65-F5344CB8AC3E}">
-        <p14:creationId xmlns:p14="http://schemas.microsoft.com/office/powerpoint/2010/main" val="3221572189"/>
+        <p14:creationId xmlns:p14="http://schemas.microsoft.com/office/powerpoint/2010/main" val="744333736"/>
       </p:ext>
     </p:extLst>
   </p:cSld>
   <p:clrMapOvr>
     <a:masterClrMapping/>
   </p:clrMapOvr>
+  <p:transition>
+    <p:fade thruBlk="1"/>
+  </p:transition>
 </p:sld>
 </file>
 
-<file path=ppt/slides/slide7.xml><?xml version="1.0" encoding="utf-8"?>
+<file path=ppt/slides/slide6.xml><?xml version="1.0" encoding="utf-8"?>
 <p:sld xmlns:a="http://schemas.openxmlformats.org/drawingml/2006/main" xmlns:r="http://schemas.openxmlformats.org/officeDocument/2006/relationships" xmlns:p="http://schemas.openxmlformats.org/presentationml/2006/main" show="0">
   <p:cSld>
     <p:spTree>
@@ -42050,7 +41966,7 @@
             </a:pPr>
             <a:fld id="{00000000-1234-1234-1234-123412341234}" type="slidenum">
               <a:rPr lang="en" smtClean="0"/>
-              <a:t>7</a:t>
+              <a:t>6</a:t>
             </a:fld>
             <a:endParaRPr lang="en"/>
           </a:p>
@@ -42926,7 +42842,7 @@
 </p:sld>
 </file>
 
-<file path=ppt/slides/slide8.xml><?xml version="1.0" encoding="utf-8"?>
+<file path=ppt/slides/slide7.xml><?xml version="1.0" encoding="utf-8"?>
 <p:sld xmlns:a="http://schemas.openxmlformats.org/drawingml/2006/main" xmlns:r="http://schemas.openxmlformats.org/officeDocument/2006/relationships" xmlns:p="http://schemas.openxmlformats.org/presentationml/2006/main">
   <p:cSld>
     <p:spTree>
@@ -43141,7 +43057,7 @@
 </p:sld>
 </file>
 
-<file path=ppt/slides/slide9.xml><?xml version="1.0" encoding="utf-8"?>
+<file path=ppt/slides/slide8.xml><?xml version="1.0" encoding="utf-8"?>
 <p:sld xmlns:a="http://schemas.openxmlformats.org/drawingml/2006/main" xmlns:r="http://schemas.openxmlformats.org/officeDocument/2006/relationships" xmlns:p="http://schemas.openxmlformats.org/presentationml/2006/main">
   <p:cSld>
     <p:spTree>
@@ -43307,7 +43223,7 @@
             </a:pPr>
             <a:fld id="{00000000-1234-1234-1234-123412341234}" type="slidenum">
               <a:rPr lang="en"/>
-              <a:t>9</a:t>
+              <a:t>8</a:t>
             </a:fld>
             <a:endParaRPr/>
           </a:p>
@@ -43323,6 +43239,251 @@
   <p:clrMapOvr>
     <a:masterClrMapping/>
   </p:clrMapOvr>
+</p:sld>
+</file>
+
+<file path=ppt/slides/slide9.xml><?xml version="1.0" encoding="utf-8"?>
+<p:sld xmlns:a="http://schemas.openxmlformats.org/drawingml/2006/main" xmlns:r="http://schemas.openxmlformats.org/officeDocument/2006/relationships" xmlns:p="http://schemas.openxmlformats.org/presentationml/2006/main">
+  <p:cSld>
+    <p:spTree>
+      <p:nvGrpSpPr>
+        <p:cNvPr id="1" name=""/>
+        <p:cNvGrpSpPr/>
+        <p:nvPr/>
+      </p:nvGrpSpPr>
+      <p:grpSpPr>
+        <a:xfrm>
+          <a:off x="0" y="0"/>
+          <a:ext cx="0" cy="0"/>
+          <a:chOff x="0" y="0"/>
+          <a:chExt cx="0" cy="0"/>
+        </a:xfrm>
+      </p:grpSpPr>
+      <p:sp>
+        <p:nvSpPr>
+          <p:cNvPr id="2" name="Title 1">
+            <a:extLst>
+              <a:ext uri="{FF2B5EF4-FFF2-40B4-BE49-F238E27FC236}">
+                <a16:creationId xmlns:a16="http://schemas.microsoft.com/office/drawing/2014/main" id="{C585A269-1447-CBFF-455C-C8B13AC7B8FB}"/>
+              </a:ext>
+            </a:extLst>
+          </p:cNvPr>
+          <p:cNvSpPr>
+            <a:spLocks noGrp="1"/>
+          </p:cNvSpPr>
+          <p:nvPr>
+            <p:ph type="title"/>
+          </p:nvPr>
+        </p:nvSpPr>
+        <p:spPr>
+          <a:xfrm>
+            <a:off x="0" y="339937"/>
+            <a:ext cx="9144000" cy="645300"/>
+          </a:xfrm>
+        </p:spPr>
+        <p:txBody>
+          <a:bodyPr/>
+          <a:lstStyle/>
+          <a:p>
+            <a:pPr algn="ctr"/>
+            <a:r>
+              <a:rPr lang="en" dirty="0"/>
+              <a:t>Transaction Processing System (TPS)</a:t>
+            </a:r>
+            <a:endParaRPr lang="en-NP" dirty="0"/>
+          </a:p>
+        </p:txBody>
+      </p:sp>
+      <p:sp>
+        <p:nvSpPr>
+          <p:cNvPr id="3" name="Slide Number Placeholder 2">
+            <a:extLst>
+              <a:ext uri="{FF2B5EF4-FFF2-40B4-BE49-F238E27FC236}">
+                <a16:creationId xmlns:a16="http://schemas.microsoft.com/office/drawing/2014/main" id="{1CA6451C-6C8E-CA99-3DBF-19760DA0F5B5}"/>
+              </a:ext>
+            </a:extLst>
+          </p:cNvPr>
+          <p:cNvSpPr>
+            <a:spLocks noGrp="1"/>
+          </p:cNvSpPr>
+          <p:nvPr>
+            <p:ph type="sldNum" idx="10"/>
+          </p:nvPr>
+        </p:nvSpPr>
+        <p:spPr/>
+        <p:txBody>
+          <a:bodyPr/>
+          <a:lstStyle/>
+          <a:p>
+            <a:pPr marL="0" lvl="0" indent="0" algn="l" rtl="0">
+              <a:spcBef>
+                <a:spcPts val="0"/>
+              </a:spcBef>
+              <a:spcAft>
+                <a:spcPts val="0"/>
+              </a:spcAft>
+              <a:buNone/>
+            </a:pPr>
+            <a:fld id="{00000000-1234-1234-1234-123412341234}" type="slidenum">
+              <a:rPr lang="en" smtClean="0"/>
+              <a:t>9</a:t>
+            </a:fld>
+            <a:endParaRPr lang="en"/>
+          </a:p>
+        </p:txBody>
+      </p:sp>
+      <p:sp>
+        <p:nvSpPr>
+          <p:cNvPr id="4" name="Text Placeholder 3">
+            <a:extLst>
+              <a:ext uri="{FF2B5EF4-FFF2-40B4-BE49-F238E27FC236}">
+                <a16:creationId xmlns:a16="http://schemas.microsoft.com/office/drawing/2014/main" id="{6249DF66-992F-BE65-98D2-31B7D3FC0EDF}"/>
+              </a:ext>
+            </a:extLst>
+          </p:cNvPr>
+          <p:cNvSpPr>
+            <a:spLocks noGrp="1"/>
+          </p:cNvSpPr>
+          <p:nvPr>
+            <p:ph type="body" idx="1"/>
+          </p:nvPr>
+        </p:nvSpPr>
+        <p:spPr>
+          <a:xfrm>
+            <a:off x="287907" y="1268033"/>
+            <a:ext cx="4685146" cy="3231275"/>
+          </a:xfrm>
+        </p:spPr>
+        <p:txBody>
+          <a:bodyPr/>
+          <a:lstStyle/>
+          <a:p>
+            <a:pPr marL="457200" lvl="0" indent="-317500" rtl="0">
+              <a:spcBef>
+                <a:spcPts val="600"/>
+              </a:spcBef>
+              <a:spcAft>
+                <a:spcPts val="0"/>
+              </a:spcAft>
+              <a:buSzPts val="1400"/>
+              <a:buChar char="◇"/>
+            </a:pPr>
+            <a:r>
+              <a:rPr lang="en-US" dirty="0"/>
+              <a:t>Transaction Processing System are information system that process data resulting from the occurrences of business</a:t>
+            </a:r>
+          </a:p>
+          <a:p>
+            <a:pPr marL="457200" lvl="0" indent="-317500" rtl="0">
+              <a:spcBef>
+                <a:spcPts val="0"/>
+              </a:spcBef>
+              <a:spcAft>
+                <a:spcPts val="0"/>
+              </a:spcAft>
+              <a:buSzPts val="1400"/>
+              <a:buChar char="◇"/>
+            </a:pPr>
+            <a:r>
+              <a:rPr lang="en-US" dirty="0"/>
+              <a:t>Their objective are to provide transaction in order to update records and generate reports i.e. to perform store keeping function</a:t>
+            </a:r>
+          </a:p>
+          <a:p>
+            <a:pPr marL="457200" lvl="0" indent="-317500" rtl="0">
+              <a:spcBef>
+                <a:spcPts val="0"/>
+              </a:spcBef>
+              <a:spcAft>
+                <a:spcPts val="0"/>
+              </a:spcAft>
+              <a:buSzPts val="1400"/>
+              <a:buChar char="◇"/>
+            </a:pPr>
+            <a:r>
+              <a:rPr lang="en-US" dirty="0"/>
+              <a:t>The transaction is preformed in two ways: Batching processing and Online transaction processing.</a:t>
+            </a:r>
+          </a:p>
+          <a:p>
+            <a:pPr marL="457200" lvl="0" indent="-317500" rtl="0">
+              <a:spcBef>
+                <a:spcPts val="0"/>
+              </a:spcBef>
+              <a:spcAft>
+                <a:spcPts val="0"/>
+              </a:spcAft>
+              <a:buSzPts val="1400"/>
+              <a:buChar char="◇"/>
+            </a:pPr>
+            <a:r>
+              <a:rPr lang="en-US" dirty="0"/>
+              <a:t>Example: Bill system, payroll system, Stock control system</a:t>
+            </a:r>
+          </a:p>
+          <a:p>
+            <a:pPr marL="0" indent="0">
+              <a:buNone/>
+            </a:pPr>
+            <a:endParaRPr lang="en-US" dirty="0"/>
+          </a:p>
+          <a:p>
+            <a:endParaRPr lang="en-NP" dirty="0"/>
+          </a:p>
+          <a:p>
+            <a:endParaRPr lang="en-NP" dirty="0"/>
+          </a:p>
+        </p:txBody>
+      </p:sp>
+      <p:pic>
+        <p:nvPicPr>
+          <p:cNvPr id="5" name="Picture 4">
+            <a:extLst>
+              <a:ext uri="{FF2B5EF4-FFF2-40B4-BE49-F238E27FC236}">
+                <a16:creationId xmlns:a16="http://schemas.microsoft.com/office/drawing/2014/main" id="{8CF4BCC3-B9A2-9CFB-ACFA-1996E978429B}"/>
+              </a:ext>
+            </a:extLst>
+          </p:cNvPr>
+          <p:cNvPicPr>
+            <a:picLocks noChangeAspect="1"/>
+          </p:cNvPicPr>
+          <p:nvPr/>
+        </p:nvPicPr>
+        <p:blipFill rotWithShape="1">
+          <a:blip r:embed="rId2">
+            <a:alphaModFix/>
+            <a:extLst>
+              <a:ext uri="{837473B0-CC2E-450A-ABE3-18F120FF3D39}">
+                <a1611:picAttrSrcUrl xmlns:a1611="http://schemas.microsoft.com/office/drawing/2016/11/main" r:id="rId3"/>
+              </a:ext>
+            </a:extLst>
+          </a:blip>
+          <a:srcRect/>
+          <a:stretch/>
+        </p:blipFill>
+        <p:spPr>
+          <a:xfrm>
+            <a:off x="4973053" y="1421732"/>
+            <a:ext cx="4037150" cy="2453735"/>
+          </a:xfrm>
+          <a:prstGeom prst="rect">
+            <a:avLst/>
+          </a:prstGeom>
+        </p:spPr>
+      </p:pic>
+    </p:spTree>
+    <p:extLst>
+      <p:ext uri="{BB962C8B-B14F-4D97-AF65-F5344CB8AC3E}">
+        <p14:creationId xmlns:p14="http://schemas.microsoft.com/office/powerpoint/2010/main" val="2227224344"/>
+      </p:ext>
+    </p:extLst>
+  </p:cSld>
+  <p:clrMapOvr>
+    <a:masterClrMapping/>
+  </p:clrMapOvr>
+  <p:transition>
+    <p:fade thruBlk="1"/>
+  </p:transition>
 </p:sld>
 </file>
 
